--- a/SafeStreet_MP_Presentation.pptx
+++ b/SafeStreet_MP_Presentation.pptx
@@ -6451,7 +6451,7 @@
           <a:p>
             <a:r>
               <a:rPr lang="en-GB" noProof="0" dirty="0"/>
-              <a:t>For what concern RASD we will focus on goals requirement and domain assumption of the system. Then some phenomena are going to be described together with formal analysis made using Alloy.</a:t>
+              <a:t>For what concern RASD we will focus on goals, requirement and domain assumption relative to the software system. Then some phenomena are going to be described together with formal analysis made using Alloy.</a:t>
             </a:r>
           </a:p>
         </p:txBody>
@@ -6536,7 +6536,24 @@
           <a:bodyPr/>
           <a:lstStyle/>
           <a:p>
-            <a:endParaRPr lang="en-GB" dirty="0"/>
+            <a:r>
+              <a:rPr lang="en-GB" noProof="0" dirty="0"/>
+              <a:t>Those are goal of our SafeStreets application. Main functionality require a form (or something like that) which allow User to notify Authority and Authority Member to receive and handle that notification. Statistics are built for both observed violation and fines relative to them. </a:t>
+            </a:r>
+          </a:p>
+          <a:p>
+            <a:r>
+              <a:rPr lang="en-GB" noProof="0" dirty="0"/>
+              <a:t>Advanced functionalities has then as goal merge SafeStreets own data with those </a:t>
+            </a:r>
+            <a:r>
+              <a:rPr lang="en-GB" noProof="0" dirty="0" err="1"/>
+              <a:t>caming</a:t>
+            </a:r>
+            <a:r>
+              <a:rPr lang="en-GB" noProof="0" dirty="0"/>
+              <a:t> from Municipality and make possible to generate relative traffic tickets.</a:t>
+            </a:r>
           </a:p>
         </p:txBody>
       </p:sp>
@@ -6620,6 +6637,269 @@
           <a:bodyPr/>
           <a:lstStyle/>
           <a:p>
+            <a:r>
+              <a:rPr lang="it-IT" dirty="0" err="1"/>
+              <a:t>Most</a:t>
+            </a:r>
+            <a:r>
+              <a:rPr lang="it-IT" dirty="0"/>
+              <a:t> </a:t>
+            </a:r>
+            <a:r>
+              <a:rPr lang="it-IT" dirty="0" err="1"/>
+              <a:t>important</a:t>
+            </a:r>
+            <a:r>
+              <a:rPr lang="it-IT" dirty="0"/>
+              <a:t> </a:t>
+            </a:r>
+            <a:r>
+              <a:rPr lang="it-IT" dirty="0" err="1"/>
+              <a:t>requirements</a:t>
+            </a:r>
+            <a:r>
+              <a:rPr lang="it-IT" dirty="0"/>
+              <a:t> </a:t>
+            </a:r>
+            <a:r>
+              <a:rPr lang="it-IT" dirty="0" err="1"/>
+              <a:t>that</a:t>
+            </a:r>
+            <a:r>
+              <a:rPr lang="it-IT" dirty="0"/>
+              <a:t> our </a:t>
+            </a:r>
+            <a:r>
+              <a:rPr lang="it-IT" dirty="0" err="1"/>
+              <a:t>application</a:t>
+            </a:r>
+            <a:r>
+              <a:rPr lang="it-IT" dirty="0"/>
+              <a:t> </a:t>
+            </a:r>
+            <a:r>
+              <a:rPr lang="it-IT" dirty="0" err="1"/>
+              <a:t>has</a:t>
+            </a:r>
+            <a:r>
+              <a:rPr lang="it-IT" dirty="0"/>
+              <a:t> to </a:t>
+            </a:r>
+            <a:r>
+              <a:rPr lang="it-IT" dirty="0" err="1"/>
+              <a:t>sutisfy</a:t>
+            </a:r>
+            <a:r>
+              <a:rPr lang="it-IT" dirty="0"/>
+              <a:t> in </a:t>
+            </a:r>
+            <a:r>
+              <a:rPr lang="it-IT" dirty="0" err="1"/>
+              <a:t>order</a:t>
+            </a:r>
+            <a:r>
+              <a:rPr lang="it-IT" dirty="0"/>
+              <a:t> to </a:t>
+            </a:r>
+            <a:r>
+              <a:rPr lang="it-IT" dirty="0" err="1"/>
+              <a:t>achieve</a:t>
+            </a:r>
+            <a:r>
+              <a:rPr lang="it-IT" dirty="0"/>
+              <a:t> </a:t>
+            </a:r>
+            <a:r>
+              <a:rPr lang="it-IT" dirty="0" err="1"/>
+              <a:t>showed</a:t>
+            </a:r>
+            <a:r>
+              <a:rPr lang="it-IT" dirty="0"/>
+              <a:t> goals are the following:</a:t>
+            </a:r>
+            <a:r>
+              <a:rPr lang="en-GB" dirty="0"/>
+              <a:t> then list all.</a:t>
+            </a:r>
+            <a:endParaRPr lang="it-IT" dirty="0"/>
+          </a:p>
+        </p:txBody>
+      </p:sp>
+      <p:sp>
+        <p:nvSpPr>
+          <p:cNvPr id="4" name="Segnaposto numero diapositiva 3"/>
+          <p:cNvSpPr>
+            <a:spLocks noGrp="1"/>
+          </p:cNvSpPr>
+          <p:nvPr>
+            <p:ph type="sldNum" sz="quarter" idx="5"/>
+          </p:nvPr>
+        </p:nvSpPr>
+        <p:spPr/>
+        <p:txBody>
+          <a:bodyPr/>
+          <a:lstStyle/>
+          <a:p>
+            <a:fld id="{7786AF81-66EC-4957-A5F4-2A10D7E84377}" type="slidenum">
+              <a:rPr lang="it-IT" smtClean="0"/>
+              <a:t>4</a:t>
+            </a:fld>
+            <a:endParaRPr lang="it-IT"/>
+          </a:p>
+        </p:txBody>
+      </p:sp>
+    </p:spTree>
+    <p:extLst>
+      <p:ext uri="{BB962C8B-B14F-4D97-AF65-F5344CB8AC3E}">
+        <p14:creationId xmlns:p14="http://schemas.microsoft.com/office/powerpoint/2010/main" val="1834211620"/>
+      </p:ext>
+    </p:extLst>
+  </p:cSld>
+  <p:clrMapOvr>
+    <a:masterClrMapping/>
+  </p:clrMapOvr>
+</p:notes>
+</file>
+
+<file path=ppt/notesSlides/notesSlide5.xml><?xml version="1.0" encoding="utf-8"?>
+<p:notes xmlns:a="http://schemas.openxmlformats.org/drawingml/2006/main" xmlns:r="http://schemas.openxmlformats.org/officeDocument/2006/relationships" xmlns:p="http://schemas.openxmlformats.org/presentationml/2006/main">
+  <p:cSld>
+    <p:spTree>
+      <p:nvGrpSpPr>
+        <p:cNvPr id="1" name=""/>
+        <p:cNvGrpSpPr/>
+        <p:nvPr/>
+      </p:nvGrpSpPr>
+      <p:grpSpPr>
+        <a:xfrm>
+          <a:off x="0" y="0"/>
+          <a:ext cx="0" cy="0"/>
+          <a:chOff x="0" y="0"/>
+          <a:chExt cx="0" cy="0"/>
+        </a:xfrm>
+      </p:grpSpPr>
+      <p:sp>
+        <p:nvSpPr>
+          <p:cNvPr id="2" name="Segnaposto immagine diapositiva 1"/>
+          <p:cNvSpPr>
+            <a:spLocks noGrp="1" noRot="1" noChangeAspect="1"/>
+          </p:cNvSpPr>
+          <p:nvPr>
+            <p:ph type="sldImg"/>
+          </p:nvPr>
+        </p:nvSpPr>
+        <p:spPr/>
+      </p:sp>
+      <p:sp>
+        <p:nvSpPr>
+          <p:cNvPr id="3" name="Segnaposto note 2"/>
+          <p:cNvSpPr>
+            <a:spLocks noGrp="1"/>
+          </p:cNvSpPr>
+          <p:nvPr>
+            <p:ph type="body" idx="1"/>
+          </p:nvPr>
+        </p:nvSpPr>
+        <p:spPr/>
+        <p:txBody>
+          <a:bodyPr/>
+          <a:lstStyle/>
+          <a:p>
+            <a:r>
+              <a:rPr lang="en-GB" noProof="0" dirty="0"/>
+              <a:t>In order to make all functionalities working and reliable of course some assumptions like those regarding well integration of external algorithm and services that SafeStreets has to communicate with. Position of user whose perform a report and data server on which those information has stored are supposed to be reliable. In addition, since SafeStreets hint possible intervention to Municipality is supposed they </a:t>
+            </a:r>
+            <a:r>
+              <a:rPr lang="en-GB" noProof="0"/>
+              <a:t>have enough resources </a:t>
+            </a:r>
+            <a:r>
+              <a:rPr lang="en-GB" noProof="0" dirty="0"/>
+              <a:t>to put in practice those suggestions.</a:t>
+            </a:r>
+          </a:p>
+        </p:txBody>
+      </p:sp>
+      <p:sp>
+        <p:nvSpPr>
+          <p:cNvPr id="4" name="Segnaposto numero diapositiva 3"/>
+          <p:cNvSpPr>
+            <a:spLocks noGrp="1"/>
+          </p:cNvSpPr>
+          <p:nvPr>
+            <p:ph type="sldNum" sz="quarter" idx="5"/>
+          </p:nvPr>
+        </p:nvSpPr>
+        <p:spPr/>
+        <p:txBody>
+          <a:bodyPr/>
+          <a:lstStyle/>
+          <a:p>
+            <a:fld id="{7786AF81-66EC-4957-A5F4-2A10D7E84377}" type="slidenum">
+              <a:rPr lang="it-IT" smtClean="0"/>
+              <a:t>5</a:t>
+            </a:fld>
+            <a:endParaRPr lang="it-IT"/>
+          </a:p>
+        </p:txBody>
+      </p:sp>
+    </p:spTree>
+    <p:extLst>
+      <p:ext uri="{BB962C8B-B14F-4D97-AF65-F5344CB8AC3E}">
+        <p14:creationId xmlns:p14="http://schemas.microsoft.com/office/powerpoint/2010/main" val="2812618534"/>
+      </p:ext>
+    </p:extLst>
+  </p:cSld>
+  <p:clrMapOvr>
+    <a:masterClrMapping/>
+  </p:clrMapOvr>
+</p:notes>
+</file>
+
+<file path=ppt/notesSlides/notesSlide6.xml><?xml version="1.0" encoding="utf-8"?>
+<p:notes xmlns:a="http://schemas.openxmlformats.org/drawingml/2006/main" xmlns:r="http://schemas.openxmlformats.org/officeDocument/2006/relationships" xmlns:p="http://schemas.openxmlformats.org/presentationml/2006/main">
+  <p:cSld>
+    <p:spTree>
+      <p:nvGrpSpPr>
+        <p:cNvPr id="1" name=""/>
+        <p:cNvGrpSpPr/>
+        <p:nvPr/>
+      </p:nvGrpSpPr>
+      <p:grpSpPr>
+        <a:xfrm>
+          <a:off x="0" y="0"/>
+          <a:ext cx="0" cy="0"/>
+          <a:chOff x="0" y="0"/>
+          <a:chExt cx="0" cy="0"/>
+        </a:xfrm>
+      </p:grpSpPr>
+      <p:sp>
+        <p:nvSpPr>
+          <p:cNvPr id="2" name="Segnaposto immagine diapositiva 1"/>
+          <p:cNvSpPr>
+            <a:spLocks noGrp="1" noRot="1" noChangeAspect="1"/>
+          </p:cNvSpPr>
+          <p:nvPr>
+            <p:ph type="sldImg"/>
+          </p:nvPr>
+        </p:nvSpPr>
+        <p:spPr/>
+      </p:sp>
+      <p:sp>
+        <p:nvSpPr>
+          <p:cNvPr id="3" name="Segnaposto note 2"/>
+          <p:cNvSpPr>
+            <a:spLocks noGrp="1"/>
+          </p:cNvSpPr>
+          <p:nvPr>
+            <p:ph type="body" idx="1"/>
+          </p:nvPr>
+        </p:nvSpPr>
+        <p:spPr/>
+        <p:txBody>
+          <a:bodyPr/>
+          <a:lstStyle/>
+          <a:p>
             <a:endParaRPr lang="en-GB" dirty="0"/>
           </a:p>
         </p:txBody>
@@ -6660,7 +6940,7 @@
 </p:notes>
 </file>
 
-<file path=ppt/notesSlides/notesSlide5.xml><?xml version="1.0" encoding="utf-8"?>
+<file path=ppt/notesSlides/notesSlide7.xml><?xml version="1.0" encoding="utf-8"?>
 <p:notes xmlns:a="http://schemas.openxmlformats.org/drawingml/2006/main" xmlns:r="http://schemas.openxmlformats.org/officeDocument/2006/relationships" xmlns:p="http://schemas.openxmlformats.org/presentationml/2006/main">
   <p:cSld>
     <p:spTree>
@@ -6744,7 +7024,7 @@
 </p:notes>
 </file>
 
-<file path=ppt/notesSlides/notesSlide6.xml><?xml version="1.0" encoding="utf-8"?>
+<file path=ppt/notesSlides/notesSlide8.xml><?xml version="1.0" encoding="utf-8"?>
 <p:notes xmlns:a="http://schemas.openxmlformats.org/drawingml/2006/main" xmlns:r="http://schemas.openxmlformats.org/officeDocument/2006/relationships" xmlns:p="http://schemas.openxmlformats.org/presentationml/2006/main">
   <p:cSld>
     <p:spTree>
@@ -6828,7 +7108,7 @@
 </p:notes>
 </file>
 
-<file path=ppt/notesSlides/notesSlide7.xml><?xml version="1.0" encoding="utf-8"?>
+<file path=ppt/notesSlides/notesSlide9.xml><?xml version="1.0" encoding="utf-8"?>
 <p:notes xmlns:a="http://schemas.openxmlformats.org/drawingml/2006/main" xmlns:r="http://schemas.openxmlformats.org/officeDocument/2006/relationships" xmlns:p="http://schemas.openxmlformats.org/presentationml/2006/main">
   <p:cSld>
     <p:spTree>
@@ -19383,33 +19663,15 @@
                                   </p:childTnLst>
                                 </p:cTn>
                               </p:par>
-                            </p:childTnLst>
-                          </p:cTn>
-                        </p:par>
-                      </p:childTnLst>
-                    </p:cTn>
-                  </p:par>
-                  <p:par>
-                    <p:cTn id="8" fill="hold">
-                      <p:stCondLst>
-                        <p:cond delay="indefinite"/>
-                      </p:stCondLst>
-                      <p:childTnLst>
-                        <p:par>
-                          <p:cTn id="9" fill="hold">
-                            <p:stCondLst>
-                              <p:cond delay="0"/>
-                            </p:stCondLst>
-                            <p:childTnLst>
                               <p:par>
-                                <p:cTn id="10" presetID="21" presetClass="entr" presetSubtype="1" fill="hold" nodeType="clickEffect">
+                                <p:cTn id="8" presetID="21" presetClass="entr" presetSubtype="1" fill="hold" nodeType="withEffect">
                                   <p:stCondLst>
                                     <p:cond delay="0"/>
                                   </p:stCondLst>
                                   <p:childTnLst>
                                     <p:set>
                                       <p:cBhvr>
-                                        <p:cTn id="11" dur="1" fill="hold">
+                                        <p:cTn id="9" dur="1" fill="hold">
                                           <p:stCondLst>
                                             <p:cond delay="0"/>
                                           </p:stCondLst>
@@ -19427,7 +19689,7 @@
                                     </p:set>
                                     <p:animEffect transition="in" filter="wheel(1)">
                                       <p:cBhvr>
-                                        <p:cTn id="12" dur="500"/>
+                                        <p:cTn id="10" dur="500"/>
                                         <p:tgtEl>
                                           <p:spTgt spid="6"/>
                                         </p:tgtEl>
@@ -19436,33 +19698,15 @@
                                   </p:childTnLst>
                                 </p:cTn>
                               </p:par>
-                            </p:childTnLst>
-                          </p:cTn>
-                        </p:par>
-                      </p:childTnLst>
-                    </p:cTn>
-                  </p:par>
-                  <p:par>
-                    <p:cTn id="13" fill="hold">
-                      <p:stCondLst>
-                        <p:cond delay="indefinite"/>
-                      </p:stCondLst>
-                      <p:childTnLst>
-                        <p:par>
-                          <p:cTn id="14" fill="hold">
-                            <p:stCondLst>
-                              <p:cond delay="0"/>
-                            </p:stCondLst>
-                            <p:childTnLst>
                               <p:par>
-                                <p:cTn id="15" presetID="21" presetClass="entr" presetSubtype="1" fill="hold" nodeType="clickEffect">
+                                <p:cTn id="11" presetID="21" presetClass="entr" presetSubtype="1" fill="hold" nodeType="withEffect">
                                   <p:stCondLst>
                                     <p:cond delay="0"/>
                                   </p:stCondLst>
                                   <p:childTnLst>
                                     <p:set>
                                       <p:cBhvr>
-                                        <p:cTn id="16" dur="1" fill="hold">
+                                        <p:cTn id="12" dur="1" fill="hold">
                                           <p:stCondLst>
                                             <p:cond delay="0"/>
                                           </p:stCondLst>
@@ -19480,7 +19724,7 @@
                                     </p:set>
                                     <p:animEffect transition="in" filter="wheel(1)">
                                       <p:cBhvr>
-                                        <p:cTn id="17" dur="500"/>
+                                        <p:cTn id="13" dur="500"/>
                                         <p:tgtEl>
                                           <p:spTgt spid="8"/>
                                         </p:tgtEl>
@@ -19496,26 +19740,26 @@
                     </p:cTn>
                   </p:par>
                   <p:par>
-                    <p:cTn id="18" fill="hold">
+                    <p:cTn id="14" fill="hold">
                       <p:stCondLst>
                         <p:cond delay="indefinite"/>
                       </p:stCondLst>
                       <p:childTnLst>
                         <p:par>
-                          <p:cTn id="19" fill="hold">
+                          <p:cTn id="15" fill="hold">
                             <p:stCondLst>
                               <p:cond delay="0"/>
                             </p:stCondLst>
                             <p:childTnLst>
                               <p:par>
-                                <p:cTn id="20" presetID="21" presetClass="entr" presetSubtype="1" fill="hold" grpId="0" nodeType="clickEffect">
+                                <p:cTn id="16" presetID="21" presetClass="entr" presetSubtype="1" fill="hold" grpId="0" nodeType="clickEffect">
                                   <p:stCondLst>
                                     <p:cond delay="0"/>
                                   </p:stCondLst>
                                   <p:childTnLst>
                                     <p:set>
                                       <p:cBhvr>
-                                        <p:cTn id="21" dur="1" fill="hold">
+                                        <p:cTn id="17" dur="1" fill="hold">
                                           <p:stCondLst>
                                             <p:cond delay="0"/>
                                           </p:stCondLst>
@@ -19533,9 +19777,44 @@
                                     </p:set>
                                     <p:animEffect transition="in" filter="wheel(1)">
                                       <p:cBhvr>
-                                        <p:cTn id="22" dur="500"/>
+                                        <p:cTn id="18" dur="500"/>
                                         <p:tgtEl>
                                           <p:spTgt spid="7"/>
+                                        </p:tgtEl>
+                                      </p:cBhvr>
+                                    </p:animEffect>
+                                  </p:childTnLst>
+                                </p:cTn>
+                              </p:par>
+                              <p:par>
+                                <p:cTn id="19" presetID="21" presetClass="entr" presetSubtype="1" fill="hold" nodeType="withEffect">
+                                  <p:stCondLst>
+                                    <p:cond delay="0"/>
+                                  </p:stCondLst>
+                                  <p:childTnLst>
+                                    <p:set>
+                                      <p:cBhvr>
+                                        <p:cTn id="20" dur="1" fill="hold">
+                                          <p:stCondLst>
+                                            <p:cond delay="0"/>
+                                          </p:stCondLst>
+                                        </p:cTn>
+                                        <p:tgtEl>
+                                          <p:spTgt spid="13"/>
+                                        </p:tgtEl>
+                                        <p:attrNameLst>
+                                          <p:attrName>style.visibility</p:attrName>
+                                        </p:attrNameLst>
+                                      </p:cBhvr>
+                                      <p:to>
+                                        <p:strVal val="visible"/>
+                                      </p:to>
+                                    </p:set>
+                                    <p:animEffect transition="in" filter="wheel(1)">
+                                      <p:cBhvr>
+                                        <p:cTn id="21" dur="500"/>
+                                        <p:tgtEl>
+                                          <p:spTgt spid="13"/>
                                         </p:tgtEl>
                                       </p:cBhvr>
                                     </p:animEffect>
@@ -19549,26 +19828,26 @@
                     </p:cTn>
                   </p:par>
                   <p:par>
-                    <p:cTn id="23" fill="hold">
+                    <p:cTn id="22" fill="hold">
                       <p:stCondLst>
                         <p:cond delay="indefinite"/>
                       </p:stCondLst>
                       <p:childTnLst>
                         <p:par>
-                          <p:cTn id="24" fill="hold">
+                          <p:cTn id="23" fill="hold">
                             <p:stCondLst>
                               <p:cond delay="0"/>
                             </p:stCondLst>
                             <p:childTnLst>
                               <p:par>
-                                <p:cTn id="25" presetID="21" presetClass="entr" presetSubtype="1" fill="hold" nodeType="clickEffect">
+                                <p:cTn id="24" presetID="21" presetClass="entr" presetSubtype="1" fill="hold" nodeType="clickEffect">
                                   <p:stCondLst>
                                     <p:cond delay="0"/>
                                   </p:stCondLst>
                                   <p:childTnLst>
                                     <p:set>
                                       <p:cBhvr>
-                                        <p:cTn id="26" dur="1" fill="hold">
+                                        <p:cTn id="25" dur="1" fill="hold">
                                           <p:stCondLst>
                                             <p:cond delay="0"/>
                                           </p:stCondLst>
@@ -19586,7 +19865,7 @@
                                     </p:set>
                                     <p:animEffect transition="in" filter="wheel(1)">
                                       <p:cBhvr>
-                                        <p:cTn id="27" dur="500"/>
+                                        <p:cTn id="26" dur="500"/>
                                         <p:tgtEl>
                                           <p:spTgt spid="9"/>
                                         </p:tgtEl>
@@ -19595,33 +19874,15 @@
                                   </p:childTnLst>
                                 </p:cTn>
                               </p:par>
-                            </p:childTnLst>
-                          </p:cTn>
-                        </p:par>
-                      </p:childTnLst>
-                    </p:cTn>
-                  </p:par>
-                  <p:par>
-                    <p:cTn id="28" fill="hold">
-                      <p:stCondLst>
-                        <p:cond delay="indefinite"/>
-                      </p:stCondLst>
-                      <p:childTnLst>
-                        <p:par>
-                          <p:cTn id="29" fill="hold">
-                            <p:stCondLst>
-                              <p:cond delay="0"/>
-                            </p:stCondLst>
-                            <p:childTnLst>
                               <p:par>
-                                <p:cTn id="30" presetID="21" presetClass="entr" presetSubtype="1" fill="hold" nodeType="clickEffect">
+                                <p:cTn id="27" presetID="21" presetClass="entr" presetSubtype="1" fill="hold" nodeType="withEffect">
                                   <p:stCondLst>
                                     <p:cond delay="0"/>
                                   </p:stCondLst>
                                   <p:childTnLst>
                                     <p:set>
                                       <p:cBhvr>
-                                        <p:cTn id="31" dur="1" fill="hold">
+                                        <p:cTn id="28" dur="1" fill="hold">
                                           <p:stCondLst>
                                             <p:cond delay="0"/>
                                           </p:stCondLst>
@@ -19639,62 +19900,9 @@
                                     </p:set>
                                     <p:animEffect transition="in" filter="wheel(1)">
                                       <p:cBhvr>
-                                        <p:cTn id="32" dur="500"/>
+                                        <p:cTn id="29" dur="500"/>
                                         <p:tgtEl>
                                           <p:spTgt spid="11"/>
-                                        </p:tgtEl>
-                                      </p:cBhvr>
-                                    </p:animEffect>
-                                  </p:childTnLst>
-                                </p:cTn>
-                              </p:par>
-                            </p:childTnLst>
-                          </p:cTn>
-                        </p:par>
-                      </p:childTnLst>
-                    </p:cTn>
-                  </p:par>
-                  <p:par>
-                    <p:cTn id="33" fill="hold">
-                      <p:stCondLst>
-                        <p:cond delay="indefinite"/>
-                      </p:stCondLst>
-                      <p:childTnLst>
-                        <p:par>
-                          <p:cTn id="34" fill="hold">
-                            <p:stCondLst>
-                              <p:cond delay="0"/>
-                            </p:stCondLst>
-                            <p:childTnLst>
-                              <p:par>
-                                <p:cTn id="35" presetID="21" presetClass="entr" presetSubtype="1" fill="hold" nodeType="clickEffect">
-                                  <p:stCondLst>
-                                    <p:cond delay="0"/>
-                                  </p:stCondLst>
-                                  <p:childTnLst>
-                                    <p:set>
-                                      <p:cBhvr>
-                                        <p:cTn id="36" dur="1" fill="hold">
-                                          <p:stCondLst>
-                                            <p:cond delay="0"/>
-                                          </p:stCondLst>
-                                        </p:cTn>
-                                        <p:tgtEl>
-                                          <p:spTgt spid="13"/>
-                                        </p:tgtEl>
-                                        <p:attrNameLst>
-                                          <p:attrName>style.visibility</p:attrName>
-                                        </p:attrNameLst>
-                                      </p:cBhvr>
-                                      <p:to>
-                                        <p:strVal val="visible"/>
-                                      </p:to>
-                                    </p:set>
-                                    <p:animEffect transition="in" filter="wheel(1)">
-                                      <p:cBhvr>
-                                        <p:cTn id="37" dur="500"/>
-                                        <p:tgtEl>
-                                          <p:spTgt spid="13"/>
                                         </p:tgtEl>
                                       </p:cBhvr>
                                     </p:animEffect>
@@ -19841,14 +20049,14 @@
           <p:nvPr>
             <p:extLst>
               <p:ext uri="{D42A27DB-BD31-4B8C-83A1-F6EECF244321}">
-                <p14:modId xmlns:p14="http://schemas.microsoft.com/office/powerpoint/2010/main" val="2409884981"/>
+                <p14:modId xmlns:p14="http://schemas.microsoft.com/office/powerpoint/2010/main" val="19772491"/>
               </p:ext>
             </p:extLst>
           </p:nvPr>
         </p:nvGraphicFramePr>
         <p:xfrm>
           <a:off x="961998" y="1976621"/>
-          <a:ext cx="10358120" cy="3600000"/>
+          <a:ext cx="10457842" cy="3600000"/>
         </p:xfrm>
         <a:graphic>
           <a:graphicData uri="http://schemas.openxmlformats.org/drawingml/2006/table">
@@ -19857,14 +20065,14 @@
                 <a:tableStyleId>{5C22544A-7EE6-4342-B048-85BDC9FD1C3A}</a:tableStyleId>
               </a:tblPr>
               <a:tblGrid>
-                <a:gridCol w="1273682">
+                <a:gridCol w="1285944">
                   <a:extLst>
                     <a:ext uri="{9D8B030D-6E8A-4147-A177-3AD203B41FA5}">
                       <a16:colId xmlns:a16="http://schemas.microsoft.com/office/drawing/2014/main" val="4212211090"/>
                     </a:ext>
                   </a:extLst>
                 </a:gridCol>
-                <a:gridCol w="9084438">
+                <a:gridCol w="9171898">
                   <a:extLst>
                     <a:ext uri="{9D8B030D-6E8A-4147-A177-3AD203B41FA5}">
                       <a16:colId xmlns:a16="http://schemas.microsoft.com/office/drawing/2014/main" val="738236802"/>
@@ -20116,7 +20324,7 @@
                           </a:solidFill>
                           <a:latin typeface="Century Gothic" panose="020B0502020202020204" pitchFamily="34" charset="0"/>
                         </a:rPr>
-                        <a:t>System must be able to recognize any possible kind of altered information contained in a traffic violation sent by a User.</a:t>
+                        <a:t>System must be able to recognize possible kind of altered information contained in a traffic violation sent by a User.</a:t>
                       </a:r>
                     </a:p>
                   </a:txBody>
@@ -20302,7 +20510,7 @@
                           </a:solidFill>
                           <a:latin typeface="Century Gothic" panose="020B0502020202020204" pitchFamily="34" charset="0"/>
                         </a:rPr>
-                        <a:t>Software system shows statistics related to unsafe areas thanks to the highest number of violations. </a:t>
+                        <a:t>Software system shows statistics related to unsafe areas thanks to highest number of violations. </a:t>
                       </a:r>
                       <a:endParaRPr lang="en-GB" b="0" dirty="0">
                         <a:solidFill>
@@ -20494,7 +20702,7 @@
                           </a:solidFill>
                           <a:latin typeface="Century Gothic" panose="020B0502020202020204" pitchFamily="34" charset="0"/>
                         </a:rPr>
-                        <a:t>SafeStreets provides an algorithm able to cross information which derives from its own statistics and municipality’s statistics. </a:t>
+                        <a:t>SafeStreets provides an algorithm able to cross information which derives from its own and municipality’s statistics. </a:t>
                       </a:r>
                     </a:p>
                   </a:txBody>
@@ -20660,7 +20868,7 @@
                           <a:ea typeface="+mn-ea"/>
                           <a:cs typeface="+mn-cs"/>
                         </a:rPr>
-                        <a:t>SafeStreets must be able to send information related to a traffic violations to the nearest local police station which consequently generates </a:t>
+                        <a:t>SafeStreets must be able to send information related to a traffic violation to the nearest local police station which consequently generates </a:t>
                       </a:r>
                       <a:r>
                         <a:rPr lang="it-IT" sz="1800" b="0" i="0" u="none" strike="noStrike" kern="1200" baseline="0" dirty="0">
@@ -20752,13 +20960,13 @@
             <a:avLst/>
           </a:prstGeom>
           <a:blipFill>
-            <a:blip r:embed="rId2">
+            <a:blip r:embed="rId3">
               <a:extLst>
                 <a:ext uri="{28A0092B-C50C-407E-A947-70E740481C1C}">
                   <a14:useLocalDpi xmlns:a14="http://schemas.microsoft.com/office/drawing/2010/main" val="0"/>
                 </a:ext>
                 <a:ext uri="{96DAC541-7B7A-43D3-8B79-37D633B846F1}">
-                  <asvg:svgBlip xmlns:asvg="http://schemas.microsoft.com/office/drawing/2016/SVG/main" r:embed="rId3"/>
+                  <asvg:svgBlip xmlns:asvg="http://schemas.microsoft.com/office/drawing/2016/SVG/main" r:embed="rId4"/>
                 </a:ext>
               </a:extLst>
             </a:blip>
@@ -20811,13 +21019,13 @@
             <a:avLst/>
           </a:prstGeom>
           <a:blipFill>
-            <a:blip r:embed="rId2">
+            <a:blip r:embed="rId3">
               <a:extLst>
                 <a:ext uri="{28A0092B-C50C-407E-A947-70E740481C1C}">
                   <a14:useLocalDpi xmlns:a14="http://schemas.microsoft.com/office/drawing/2010/main" val="0"/>
                 </a:ext>
                 <a:ext uri="{96DAC541-7B7A-43D3-8B79-37D633B846F1}">
-                  <asvg:svgBlip xmlns:asvg="http://schemas.microsoft.com/office/drawing/2016/SVG/main" r:embed="rId3"/>
+                  <asvg:svgBlip xmlns:asvg="http://schemas.microsoft.com/office/drawing/2016/SVG/main" r:embed="rId4"/>
                 </a:ext>
               </a:extLst>
             </a:blip>
@@ -20870,13 +21078,13 @@
             <a:avLst/>
           </a:prstGeom>
           <a:blipFill>
-            <a:blip r:embed="rId2">
+            <a:blip r:embed="rId3">
               <a:extLst>
                 <a:ext uri="{28A0092B-C50C-407E-A947-70E740481C1C}">
                   <a14:useLocalDpi xmlns:a14="http://schemas.microsoft.com/office/drawing/2010/main" val="0"/>
                 </a:ext>
                 <a:ext uri="{96DAC541-7B7A-43D3-8B79-37D633B846F1}">
-                  <asvg:svgBlip xmlns:asvg="http://schemas.microsoft.com/office/drawing/2016/SVG/main" r:embed="rId3"/>
+                  <asvg:svgBlip xmlns:asvg="http://schemas.microsoft.com/office/drawing/2016/SVG/main" r:embed="rId4"/>
                 </a:ext>
               </a:extLst>
             </a:blip>
@@ -20929,13 +21137,13 @@
             <a:avLst/>
           </a:prstGeom>
           <a:blipFill>
-            <a:blip r:embed="rId2">
+            <a:blip r:embed="rId3">
               <a:extLst>
                 <a:ext uri="{28A0092B-C50C-407E-A947-70E740481C1C}">
                   <a14:useLocalDpi xmlns:a14="http://schemas.microsoft.com/office/drawing/2010/main" val="0"/>
                 </a:ext>
                 <a:ext uri="{96DAC541-7B7A-43D3-8B79-37D633B846F1}">
-                  <asvg:svgBlip xmlns:asvg="http://schemas.microsoft.com/office/drawing/2016/SVG/main" r:embed="rId3"/>
+                  <asvg:svgBlip xmlns:asvg="http://schemas.microsoft.com/office/drawing/2016/SVG/main" r:embed="rId4"/>
                 </a:ext>
               </a:extLst>
             </a:blip>
@@ -20988,13 +21196,13 @@
             <a:avLst/>
           </a:prstGeom>
           <a:blipFill>
-            <a:blip r:embed="rId4">
+            <a:blip r:embed="rId5">
               <a:extLst>
                 <a:ext uri="{28A0092B-C50C-407E-A947-70E740481C1C}">
                   <a14:useLocalDpi xmlns:a14="http://schemas.microsoft.com/office/drawing/2010/main" val="0"/>
                 </a:ext>
                 <a:ext uri="{96DAC541-7B7A-43D3-8B79-37D633B846F1}">
-                  <asvg:svgBlip xmlns:asvg="http://schemas.microsoft.com/office/drawing/2016/SVG/main" r:embed="rId5"/>
+                  <asvg:svgBlip xmlns:asvg="http://schemas.microsoft.com/office/drawing/2016/SVG/main" r:embed="rId6"/>
                 </a:ext>
               </a:extLst>
             </a:blip>
@@ -21440,13 +21648,13 @@
           <p:nvPr/>
         </p:nvPicPr>
         <p:blipFill>
-          <a:blip r:embed="rId2">
+          <a:blip r:embed="rId3">
             <a:extLst>
               <a:ext uri="{28A0092B-C50C-407E-A947-70E740481C1C}">
                 <a14:useLocalDpi xmlns:a14="http://schemas.microsoft.com/office/drawing/2010/main" val="0"/>
               </a:ext>
               <a:ext uri="{96DAC541-7B7A-43D3-8B79-37D633B846F1}">
-                <asvg:svgBlip xmlns:asvg="http://schemas.microsoft.com/office/drawing/2016/SVG/main" r:embed="rId3"/>
+                <asvg:svgBlip xmlns:asvg="http://schemas.microsoft.com/office/drawing/2016/SVG/main" r:embed="rId4"/>
               </a:ext>
             </a:extLst>
           </a:blip>
@@ -21479,13 +21687,13 @@
           <p:nvPr/>
         </p:nvPicPr>
         <p:blipFill>
-          <a:blip r:embed="rId2">
+          <a:blip r:embed="rId3">
             <a:extLst>
               <a:ext uri="{28A0092B-C50C-407E-A947-70E740481C1C}">
                 <a14:useLocalDpi xmlns:a14="http://schemas.microsoft.com/office/drawing/2010/main" val="0"/>
               </a:ext>
               <a:ext uri="{96DAC541-7B7A-43D3-8B79-37D633B846F1}">
-                <asvg:svgBlip xmlns:asvg="http://schemas.microsoft.com/office/drawing/2016/SVG/main" r:embed="rId3"/>
+                <asvg:svgBlip xmlns:asvg="http://schemas.microsoft.com/office/drawing/2016/SVG/main" r:embed="rId4"/>
               </a:ext>
             </a:extLst>
           </a:blip>
@@ -21518,13 +21726,13 @@
           <p:nvPr/>
         </p:nvPicPr>
         <p:blipFill>
-          <a:blip r:embed="rId2">
+          <a:blip r:embed="rId3">
             <a:extLst>
               <a:ext uri="{28A0092B-C50C-407E-A947-70E740481C1C}">
                 <a14:useLocalDpi xmlns:a14="http://schemas.microsoft.com/office/drawing/2010/main" val="0"/>
               </a:ext>
               <a:ext uri="{96DAC541-7B7A-43D3-8B79-37D633B846F1}">
-                <asvg:svgBlip xmlns:asvg="http://schemas.microsoft.com/office/drawing/2016/SVG/main" r:embed="rId3"/>
+                <asvg:svgBlip xmlns:asvg="http://schemas.microsoft.com/office/drawing/2016/SVG/main" r:embed="rId4"/>
               </a:ext>
             </a:extLst>
           </a:blip>
@@ -21534,7 +21742,7 @@
         </p:blipFill>
         <p:spPr>
           <a:xfrm>
-            <a:off x="673005" y="3536750"/>
+            <a:off x="673005" y="3455470"/>
             <a:ext cx="352987" cy="313104"/>
           </a:xfrm>
           <a:prstGeom prst="rect">
@@ -21557,13 +21765,13 @@
           <p:nvPr/>
         </p:nvPicPr>
         <p:blipFill>
-          <a:blip r:embed="rId2">
+          <a:blip r:embed="rId3">
             <a:extLst>
               <a:ext uri="{28A0092B-C50C-407E-A947-70E740481C1C}">
                 <a14:useLocalDpi xmlns:a14="http://schemas.microsoft.com/office/drawing/2010/main" val="0"/>
               </a:ext>
               <a:ext uri="{96DAC541-7B7A-43D3-8B79-37D633B846F1}">
-                <asvg:svgBlip xmlns:asvg="http://schemas.microsoft.com/office/drawing/2016/SVG/main" r:embed="rId3"/>
+                <asvg:svgBlip xmlns:asvg="http://schemas.microsoft.com/office/drawing/2016/SVG/main" r:embed="rId4"/>
               </a:ext>
             </a:extLst>
           </a:blip>
@@ -21573,7 +21781,7 @@
         </p:blipFill>
         <p:spPr>
           <a:xfrm>
-            <a:off x="673004" y="4221105"/>
+            <a:off x="673004" y="3916305"/>
             <a:ext cx="352987" cy="313104"/>
           </a:xfrm>
           <a:prstGeom prst="rect">
@@ -21596,13 +21804,13 @@
           <p:nvPr/>
         </p:nvPicPr>
         <p:blipFill>
-          <a:blip r:embed="rId2">
+          <a:blip r:embed="rId3">
             <a:extLst>
               <a:ext uri="{28A0092B-C50C-407E-A947-70E740481C1C}">
                 <a14:useLocalDpi xmlns:a14="http://schemas.microsoft.com/office/drawing/2010/main" val="0"/>
               </a:ext>
               <a:ext uri="{96DAC541-7B7A-43D3-8B79-37D633B846F1}">
-                <asvg:svgBlip xmlns:asvg="http://schemas.microsoft.com/office/drawing/2016/SVG/main" r:embed="rId3"/>
+                <asvg:svgBlip xmlns:asvg="http://schemas.microsoft.com/office/drawing/2016/SVG/main" r:embed="rId4"/>
               </a:ext>
             </a:extLst>
           </a:blip>
@@ -21612,7 +21820,7 @@
         </p:blipFill>
         <p:spPr>
           <a:xfrm>
-            <a:off x="673004" y="4790443"/>
+            <a:off x="673004" y="4373883"/>
             <a:ext cx="352987" cy="313104"/>
           </a:xfrm>
           <a:prstGeom prst="rect">
@@ -21635,13 +21843,13 @@
           <p:nvPr/>
         </p:nvPicPr>
         <p:blipFill>
-          <a:blip r:embed="rId2">
+          <a:blip r:embed="rId3">
             <a:extLst>
               <a:ext uri="{28A0092B-C50C-407E-A947-70E740481C1C}">
                 <a14:useLocalDpi xmlns:a14="http://schemas.microsoft.com/office/drawing/2010/main" val="0"/>
               </a:ext>
               <a:ext uri="{96DAC541-7B7A-43D3-8B79-37D633B846F1}">
-                <asvg:svgBlip xmlns:asvg="http://schemas.microsoft.com/office/drawing/2016/SVG/main" r:embed="rId3"/>
+                <asvg:svgBlip xmlns:asvg="http://schemas.microsoft.com/office/drawing/2016/SVG/main" r:embed="rId4"/>
               </a:ext>
             </a:extLst>
           </a:blip>
@@ -21651,7 +21859,7 @@
         </p:blipFill>
         <p:spPr>
           <a:xfrm>
-            <a:off x="673003" y="5359781"/>
+            <a:off x="673003" y="4994021"/>
             <a:ext cx="352987" cy="313104"/>
           </a:xfrm>
           <a:prstGeom prst="rect">
@@ -21674,14 +21882,14 @@
           <p:nvPr>
             <p:extLst>
               <p:ext uri="{D42A27DB-BD31-4B8C-83A1-F6EECF244321}">
-                <p14:modId xmlns:p14="http://schemas.microsoft.com/office/powerpoint/2010/main" val="4292705115"/>
+                <p14:modId xmlns:p14="http://schemas.microsoft.com/office/powerpoint/2010/main" val="1015093725"/>
               </p:ext>
             </p:extLst>
           </p:nvPr>
         </p:nvGraphicFramePr>
         <p:xfrm>
           <a:off x="1025992" y="1989282"/>
-          <a:ext cx="10194190" cy="5329543"/>
+          <a:ext cx="10194190" cy="4994303"/>
         </p:xfrm>
         <a:graphic>
           <a:graphicData uri="http://schemas.openxmlformats.org/drawingml/2006/table">
@@ -21705,7 +21913,7 @@
                   </a:extLst>
                 </a:gridCol>
               </a:tblGrid>
-              <a:tr h="764078">
+              <a:tr h="733598">
                 <a:tc>
                   <a:txBody>
                     <a:bodyPr/>
@@ -21835,7 +22043,7 @@
                   </a:ext>
                 </a:extLst>
               </a:tr>
-              <a:tr h="731520">
+              <a:tr h="690880">
                 <a:tc>
                   <a:txBody>
                     <a:bodyPr/>
@@ -21979,7 +22187,7 @@
                   </a:ext>
                 </a:extLst>
               </a:tr>
-              <a:tr h="701040">
+              <a:tr h="457200">
                 <a:tc>
                   <a:txBody>
                     <a:bodyPr/>
@@ -22065,46 +22273,32 @@
                     <a:bodyPr/>
                     <a:lstStyle/>
                     <a:p>
-                      <a:pPr algn="just"/>
+                      <a:pPr marL="0" marR="0" lvl="0" indent="0" algn="just" defTabSz="914400" rtl="0" eaLnBrk="1" fontAlgn="auto" latinLnBrk="0" hangingPunct="1">
+                        <a:lnSpc>
+                          <a:spcPct val="100000"/>
+                        </a:lnSpc>
+                        <a:spcBef>
+                          <a:spcPts val="0"/>
+                        </a:spcBef>
+                        <a:spcAft>
+                          <a:spcPts val="0"/>
+                        </a:spcAft>
+                        <a:buClrTx/>
+                        <a:buSzTx/>
+                        <a:buFontTx/>
+                        <a:buNone/>
+                        <a:tabLst/>
+                        <a:defRPr/>
+                      </a:pPr>
                       <a:r>
-                        <a:rPr lang="en-US" sz="1800" b="0" i="0" u="none" strike="noStrike" kern="1200" baseline="0" dirty="0">
+                        <a:rPr lang="en-GB" b="0" dirty="0">
                           <a:solidFill>
-                            <a:schemeClr val="dk1"/>
+                            <a:srgbClr val="000000"/>
                           </a:solidFill>
                           <a:latin typeface="Century Gothic" panose="020B0502020202020204" pitchFamily="34" charset="0"/>
-                          <a:ea typeface="+mn-ea"/>
-                          <a:cs typeface="+mn-cs"/>
                         </a:rPr>
-                        <a:t>System is supposed to be well integrated with </a:t>
+                        <a:t>Municipality can fulfil the improvements suggested by the software.</a:t>
                       </a:r>
-                      <a:r>
-                        <a:rPr lang="en-US" sz="1800" b="0" i="1" u="none" strike="noStrike" kern="1200" baseline="0" dirty="0">
-                          <a:solidFill>
-                            <a:schemeClr val="dk1"/>
-                          </a:solidFill>
-                          <a:latin typeface="Century Gothic" panose="020B0502020202020204" pitchFamily="34" charset="0"/>
-                          <a:ea typeface="+mn-ea"/>
-                          <a:cs typeface="+mn-cs"/>
-                        </a:rPr>
-                        <a:t>ReadingPlate </a:t>
-                      </a:r>
-                      <a:r>
-                        <a:rPr lang="en-US" sz="1800" b="0" i="0" u="none" strike="noStrike" kern="1200" baseline="0" dirty="0">
-                          <a:solidFill>
-                            <a:schemeClr val="dk1"/>
-                          </a:solidFill>
-                          <a:latin typeface="Century Gothic" panose="020B0502020202020204" pitchFamily="34" charset="0"/>
-                          <a:ea typeface="+mn-ea"/>
-                          <a:cs typeface="+mn-cs"/>
-                        </a:rPr>
-                        <a:t>algorithm that has been already designed and is correctly working.</a:t>
-                      </a:r>
-                      <a:endParaRPr lang="en-GB" b="0" dirty="0">
-                        <a:solidFill>
-                          <a:srgbClr val="000000"/>
-                        </a:solidFill>
-                        <a:latin typeface="Century Gothic" panose="020B0502020202020204" pitchFamily="34" charset="0"/>
-                      </a:endParaRPr>
                     </a:p>
                   </a:txBody>
                   <a:tcPr>
@@ -22153,7 +22347,7 @@
                   </a:ext>
                 </a:extLst>
               </a:tr>
-              <a:tr h="558760">
+              <a:tr h="447040">
                 <a:tc>
                   <a:txBody>
                     <a:bodyPr/>
@@ -22407,32 +22601,46 @@
                     <a:bodyPr/>
                     <a:lstStyle/>
                     <a:p>
-                      <a:pPr marL="0" marR="0" lvl="0" indent="0" algn="just" defTabSz="914400" rtl="0" eaLnBrk="1" fontAlgn="auto" latinLnBrk="0" hangingPunct="1">
-                        <a:lnSpc>
-                          <a:spcPct val="100000"/>
-                        </a:lnSpc>
-                        <a:spcBef>
-                          <a:spcPts val="0"/>
-                        </a:spcBef>
-                        <a:spcAft>
-                          <a:spcPts val="0"/>
-                        </a:spcAft>
-                        <a:buClrTx/>
-                        <a:buSzTx/>
-                        <a:buFontTx/>
-                        <a:buNone/>
-                        <a:tabLst/>
-                        <a:defRPr/>
-                      </a:pPr>
+                      <a:pPr algn="just"/>
                       <a:r>
-                        <a:rPr lang="en-GB" b="0" dirty="0">
+                        <a:rPr lang="en-US" sz="1800" b="0" i="0" u="none" strike="noStrike" kern="1200" baseline="0" dirty="0">
                           <a:solidFill>
-                            <a:srgbClr val="000000"/>
+                            <a:schemeClr val="dk1"/>
                           </a:solidFill>
                           <a:latin typeface="Century Gothic" panose="020B0502020202020204" pitchFamily="34" charset="0"/>
+                          <a:ea typeface="+mn-ea"/>
+                          <a:cs typeface="+mn-cs"/>
                         </a:rPr>
-                        <a:t>Municipality can fulfil the improvements suggested by the software.</a:t>
+                        <a:t>System is supposed to be well integrated with </a:t>
                       </a:r>
+                      <a:r>
+                        <a:rPr lang="en-US" sz="1800" b="0" i="1" u="none" strike="noStrike" kern="1200" baseline="0" dirty="0">
+                          <a:solidFill>
+                            <a:schemeClr val="dk1"/>
+                          </a:solidFill>
+                          <a:latin typeface="Century Gothic" panose="020B0502020202020204" pitchFamily="34" charset="0"/>
+                          <a:ea typeface="+mn-ea"/>
+                          <a:cs typeface="+mn-cs"/>
+                        </a:rPr>
+                        <a:t>ReadingPlate </a:t>
+                      </a:r>
+                      <a:r>
+                        <a:rPr lang="en-US" sz="1800" b="0" i="0" u="none" strike="noStrike" kern="1200" baseline="0" dirty="0">
+                          <a:solidFill>
+                            <a:schemeClr val="dk1"/>
+                          </a:solidFill>
+                          <a:latin typeface="Century Gothic" panose="020B0502020202020204" pitchFamily="34" charset="0"/>
+                          <a:ea typeface="+mn-ea"/>
+                          <a:cs typeface="+mn-cs"/>
+                        </a:rPr>
+                        <a:t>algorithm that has been already designed and is correctly working.</a:t>
+                      </a:r>
+                      <a:endParaRPr lang="en-GB" b="0" dirty="0">
+                        <a:solidFill>
+                          <a:srgbClr val="000000"/>
+                        </a:solidFill>
+                        <a:latin typeface="Century Gothic" panose="020B0502020202020204" pitchFamily="34" charset="0"/>
+                      </a:endParaRPr>
                     </a:p>
                   </a:txBody>
                   <a:tcPr>
@@ -22983,7 +23191,7 @@
                                           </p:stCondLst>
                                         </p:cTn>
                                         <p:tgtEl>
-                                          <p:spTgt spid="17"/>
+                                          <p:spTgt spid="23"/>
                                         </p:tgtEl>
                                         <p:attrNameLst>
                                           <p:attrName>style.visibility</p:attrName>
@@ -22997,7 +23205,77 @@
                                       <p:cBhvr>
                                         <p:cTn id="7" dur="750"/>
                                         <p:tgtEl>
-                                          <p:spTgt spid="17"/>
+                                          <p:spTgt spid="23"/>
+                                        </p:tgtEl>
+                                      </p:cBhvr>
+                                    </p:animEffect>
+                                  </p:childTnLst>
+                                </p:cTn>
+                              </p:par>
+                              <p:par>
+                                <p:cTn id="8" presetID="6" presetClass="entr" presetSubtype="16" fill="hold" nodeType="withEffect">
+                                  <p:stCondLst>
+                                    <p:cond delay="0"/>
+                                  </p:stCondLst>
+                                  <p:childTnLst>
+                                    <p:set>
+                                      <p:cBhvr>
+                                        <p:cTn id="9" dur="1" fill="hold">
+                                          <p:stCondLst>
+                                            <p:cond delay="0"/>
+                                          </p:stCondLst>
+                                        </p:cTn>
+                                        <p:tgtEl>
+                                          <p:spTgt spid="24"/>
+                                        </p:tgtEl>
+                                        <p:attrNameLst>
+                                          <p:attrName>style.visibility</p:attrName>
+                                        </p:attrNameLst>
+                                      </p:cBhvr>
+                                      <p:to>
+                                        <p:strVal val="visible"/>
+                                      </p:to>
+                                    </p:set>
+                                    <p:animEffect transition="in" filter="circle(in)">
+                                      <p:cBhvr>
+                                        <p:cTn id="10" dur="750"/>
+                                        <p:tgtEl>
+                                          <p:spTgt spid="24"/>
+                                        </p:tgtEl>
+                                      </p:cBhvr>
+                                    </p:animEffect>
+                                  </p:childTnLst>
+                                </p:cTn>
+                              </p:par>
+                              <p:par>
+                                <p:cTn id="11" presetID="6" presetClass="entr" presetSubtype="16" fill="hold" nodeType="withEffect">
+                                  <p:stCondLst>
+                                    <p:cond delay="0"/>
+                                  </p:stCondLst>
+                                  <p:childTnLst>
+                                    <p:set>
+                                      <p:cBhvr>
+                                        <p:cTn id="12" dur="1" fill="hold">
+                                          <p:stCondLst>
+                                            <p:cond delay="0"/>
+                                          </p:stCondLst>
+                                        </p:cTn>
+                                        <p:tgtEl>
+                                          <p:spTgt spid="25"/>
+                                        </p:tgtEl>
+                                        <p:attrNameLst>
+                                          <p:attrName>style.visibility</p:attrName>
+                                        </p:attrNameLst>
+                                      </p:cBhvr>
+                                      <p:to>
+                                        <p:strVal val="visible"/>
+                                      </p:to>
+                                    </p:set>
+                                    <p:animEffect transition="in" filter="circle(in)">
+                                      <p:cBhvr>
+                                        <p:cTn id="13" dur="750"/>
+                                        <p:tgtEl>
+                                          <p:spTgt spid="25"/>
                                         </p:tgtEl>
                                       </p:cBhvr>
                                     </p:animEffect>
@@ -23011,26 +23289,61 @@
                     </p:cTn>
                   </p:par>
                   <p:par>
-                    <p:cTn id="8" fill="hold">
+                    <p:cTn id="14" fill="hold">
                       <p:stCondLst>
                         <p:cond delay="indefinite"/>
                       </p:stCondLst>
                       <p:childTnLst>
                         <p:par>
-                          <p:cTn id="9" fill="hold">
+                          <p:cTn id="15" fill="hold">
                             <p:stCondLst>
                               <p:cond delay="0"/>
                             </p:stCondLst>
                             <p:childTnLst>
                               <p:par>
-                                <p:cTn id="10" presetID="6" presetClass="entr" presetSubtype="16" fill="hold" nodeType="clickEffect">
+                                <p:cTn id="16" presetID="6" presetClass="entr" presetSubtype="16" fill="hold" nodeType="clickEffect">
                                   <p:stCondLst>
                                     <p:cond delay="0"/>
                                   </p:stCondLst>
                                   <p:childTnLst>
                                     <p:set>
                                       <p:cBhvr>
-                                        <p:cTn id="11" dur="1" fill="hold">
+                                        <p:cTn id="17" dur="1" fill="hold">
+                                          <p:stCondLst>
+                                            <p:cond delay="0"/>
+                                          </p:stCondLst>
+                                        </p:cTn>
+                                        <p:tgtEl>
+                                          <p:spTgt spid="17"/>
+                                        </p:tgtEl>
+                                        <p:attrNameLst>
+                                          <p:attrName>style.visibility</p:attrName>
+                                        </p:attrNameLst>
+                                      </p:cBhvr>
+                                      <p:to>
+                                        <p:strVal val="visible"/>
+                                      </p:to>
+                                    </p:set>
+                                    <p:animEffect transition="in" filter="circle(in)">
+                                      <p:cBhvr>
+                                        <p:cTn id="18" dur="750"/>
+                                        <p:tgtEl>
+                                          <p:spTgt spid="17"/>
+                                        </p:tgtEl>
+                                      </p:cBhvr>
+                                    </p:animEffect>
+                                  </p:childTnLst>
+                                </p:cTn>
+                              </p:par>
+                              <p:par>
+                                <p:cTn id="19" presetID="6" presetClass="entr" presetSubtype="16" fill="hold" nodeType="withEffect">
+                                  <p:stCondLst>
+                                    <p:cond delay="0"/>
+                                  </p:stCondLst>
+                                  <p:childTnLst>
+                                    <p:set>
+                                      <p:cBhvr>
+                                        <p:cTn id="20" dur="1" fill="hold">
                                           <p:stCondLst>
                                             <p:cond delay="0"/>
                                           </p:stCondLst>
@@ -23048,7 +23361,7 @@
                                     </p:set>
                                     <p:animEffect transition="in" filter="circle(in)">
                                       <p:cBhvr>
-                                        <p:cTn id="12" dur="750"/>
+                                        <p:cTn id="21" dur="750"/>
                                         <p:tgtEl>
                                           <p:spTgt spid="21"/>
                                         </p:tgtEl>
@@ -23064,26 +23377,26 @@
                     </p:cTn>
                   </p:par>
                   <p:par>
-                    <p:cTn id="13" fill="hold">
+                    <p:cTn id="22" fill="hold">
                       <p:stCondLst>
                         <p:cond delay="indefinite"/>
                       </p:stCondLst>
                       <p:childTnLst>
                         <p:par>
-                          <p:cTn id="14" fill="hold">
+                          <p:cTn id="23" fill="hold">
                             <p:stCondLst>
                               <p:cond delay="0"/>
                             </p:stCondLst>
                             <p:childTnLst>
                               <p:par>
-                                <p:cTn id="15" presetID="6" presetClass="entr" presetSubtype="16" fill="hold" nodeType="clickEffect">
+                                <p:cTn id="24" presetID="6" presetClass="entr" presetSubtype="16" fill="hold" nodeType="clickEffect">
                                   <p:stCondLst>
                                     <p:cond delay="0"/>
                                   </p:stCondLst>
                                   <p:childTnLst>
                                     <p:set>
                                       <p:cBhvr>
-                                        <p:cTn id="16" dur="1" fill="hold">
+                                        <p:cTn id="25" dur="1" fill="hold">
                                           <p:stCondLst>
                                             <p:cond delay="0"/>
                                           </p:stCondLst>
@@ -23101,168 +23414,9 @@
                                     </p:set>
                                     <p:animEffect transition="in" filter="circle(in)">
                                       <p:cBhvr>
-                                        <p:cTn id="17" dur="750"/>
+                                        <p:cTn id="26" dur="750"/>
                                         <p:tgtEl>
                                           <p:spTgt spid="22"/>
-                                        </p:tgtEl>
-                                      </p:cBhvr>
-                                    </p:animEffect>
-                                  </p:childTnLst>
-                                </p:cTn>
-                              </p:par>
-                            </p:childTnLst>
-                          </p:cTn>
-                        </p:par>
-                      </p:childTnLst>
-                    </p:cTn>
-                  </p:par>
-                  <p:par>
-                    <p:cTn id="18" fill="hold">
-                      <p:stCondLst>
-                        <p:cond delay="indefinite"/>
-                      </p:stCondLst>
-                      <p:childTnLst>
-                        <p:par>
-                          <p:cTn id="19" fill="hold">
-                            <p:stCondLst>
-                              <p:cond delay="0"/>
-                            </p:stCondLst>
-                            <p:childTnLst>
-                              <p:par>
-                                <p:cTn id="20" presetID="6" presetClass="entr" presetSubtype="16" fill="hold" nodeType="clickEffect">
-                                  <p:stCondLst>
-                                    <p:cond delay="0"/>
-                                  </p:stCondLst>
-                                  <p:childTnLst>
-                                    <p:set>
-                                      <p:cBhvr>
-                                        <p:cTn id="21" dur="1" fill="hold">
-                                          <p:stCondLst>
-                                            <p:cond delay="0"/>
-                                          </p:stCondLst>
-                                        </p:cTn>
-                                        <p:tgtEl>
-                                          <p:spTgt spid="23"/>
-                                        </p:tgtEl>
-                                        <p:attrNameLst>
-                                          <p:attrName>style.visibility</p:attrName>
-                                        </p:attrNameLst>
-                                      </p:cBhvr>
-                                      <p:to>
-                                        <p:strVal val="visible"/>
-                                      </p:to>
-                                    </p:set>
-                                    <p:animEffect transition="in" filter="circle(in)">
-                                      <p:cBhvr>
-                                        <p:cTn id="22" dur="750"/>
-                                        <p:tgtEl>
-                                          <p:spTgt spid="23"/>
-                                        </p:tgtEl>
-                                      </p:cBhvr>
-                                    </p:animEffect>
-                                  </p:childTnLst>
-                                </p:cTn>
-                              </p:par>
-                            </p:childTnLst>
-                          </p:cTn>
-                        </p:par>
-                      </p:childTnLst>
-                    </p:cTn>
-                  </p:par>
-                  <p:par>
-                    <p:cTn id="23" fill="hold">
-                      <p:stCondLst>
-                        <p:cond delay="indefinite"/>
-                      </p:stCondLst>
-                      <p:childTnLst>
-                        <p:par>
-                          <p:cTn id="24" fill="hold">
-                            <p:stCondLst>
-                              <p:cond delay="0"/>
-                            </p:stCondLst>
-                            <p:childTnLst>
-                              <p:par>
-                                <p:cTn id="25" presetID="6" presetClass="entr" presetSubtype="16" fill="hold" nodeType="clickEffect">
-                                  <p:stCondLst>
-                                    <p:cond delay="0"/>
-                                  </p:stCondLst>
-                                  <p:childTnLst>
-                                    <p:set>
-                                      <p:cBhvr>
-                                        <p:cTn id="26" dur="1" fill="hold">
-                                          <p:stCondLst>
-                                            <p:cond delay="0"/>
-                                          </p:stCondLst>
-                                        </p:cTn>
-                                        <p:tgtEl>
-                                          <p:spTgt spid="24"/>
-                                        </p:tgtEl>
-                                        <p:attrNameLst>
-                                          <p:attrName>style.visibility</p:attrName>
-                                        </p:attrNameLst>
-                                      </p:cBhvr>
-                                      <p:to>
-                                        <p:strVal val="visible"/>
-                                      </p:to>
-                                    </p:set>
-                                    <p:animEffect transition="in" filter="circle(in)">
-                                      <p:cBhvr>
-                                        <p:cTn id="27" dur="750"/>
-                                        <p:tgtEl>
-                                          <p:spTgt spid="24"/>
-                                        </p:tgtEl>
-                                      </p:cBhvr>
-                                    </p:animEffect>
-                                  </p:childTnLst>
-                                </p:cTn>
-                              </p:par>
-                            </p:childTnLst>
-                          </p:cTn>
-                        </p:par>
-                      </p:childTnLst>
-                    </p:cTn>
-                  </p:par>
-                  <p:par>
-                    <p:cTn id="28" fill="hold">
-                      <p:stCondLst>
-                        <p:cond delay="indefinite"/>
-                      </p:stCondLst>
-                      <p:childTnLst>
-                        <p:par>
-                          <p:cTn id="29" fill="hold">
-                            <p:stCondLst>
-                              <p:cond delay="0"/>
-                            </p:stCondLst>
-                            <p:childTnLst>
-                              <p:par>
-                                <p:cTn id="30" presetID="6" presetClass="entr" presetSubtype="16" fill="hold" nodeType="clickEffect">
-                                  <p:stCondLst>
-                                    <p:cond delay="0"/>
-                                  </p:stCondLst>
-                                  <p:childTnLst>
-                                    <p:set>
-                                      <p:cBhvr>
-                                        <p:cTn id="31" dur="1" fill="hold">
-                                          <p:stCondLst>
-                                            <p:cond delay="0"/>
-                                          </p:stCondLst>
-                                        </p:cTn>
-                                        <p:tgtEl>
-                                          <p:spTgt spid="25"/>
-                                        </p:tgtEl>
-                                        <p:attrNameLst>
-                                          <p:attrName>style.visibility</p:attrName>
-                                        </p:attrNameLst>
-                                      </p:cBhvr>
-                                      <p:to>
-                                        <p:strVal val="visible"/>
-                                      </p:to>
-                                    </p:set>
-                                    <p:animEffect transition="in" filter="circle(in)">
-                                      <p:cBhvr>
-                                        <p:cTn id="32" dur="750"/>
-                                        <p:tgtEl>
-                                          <p:spTgt spid="25"/>
                                         </p:tgtEl>
                                       </p:cBhvr>
                                     </p:animEffect>

--- a/SafeStreet_MP_Presentation.pptx
+++ b/SafeStreet_MP_Presentation.pptx
@@ -17345,7 +17345,7 @@
         <p:spPr>
           <a:xfrm>
             <a:off x="8851036" y="2293102"/>
-            <a:ext cx="2304644" cy="4023360"/>
+            <a:ext cx="2761844" cy="4023360"/>
           </a:xfrm>
         </p:spPr>
         <p:txBody>
@@ -17404,8 +17404,39 @@
             </a:pPr>
             <a:r>
               <a:rPr lang="it-IT" dirty="0"/>
-              <a:t>    </a:t>
+              <a:t>   Importance for the</a:t>
             </a:r>
+            <a:r>
+              <a:rPr lang="it-IT" dirty="0">
+                <a:solidFill>
+                  <a:schemeClr val="bg1"/>
+                </a:solidFill>
+              </a:rPr>
+              <a:t>      ..  .</a:t>
+            </a:r>
+            <a:r>
+              <a:rPr lang="it-IT" dirty="0"/>
+              <a:t>  customer, difficulty of</a:t>
+            </a:r>
+            <a:r>
+              <a:rPr lang="it-IT" dirty="0">
+                <a:solidFill>
+                  <a:schemeClr val="bg1"/>
+                </a:solidFill>
+              </a:rPr>
+              <a:t>  .    …</a:t>
+            </a:r>
+            <a:r>
+              <a:rPr lang="it-IT" dirty="0"/>
+              <a:t>implementation.</a:t>
+            </a:r>
+          </a:p>
+          <a:p>
+            <a:pPr>
+              <a:buFont typeface="Arial" panose="020B0604020202020204" pitchFamily="34" charset="0"/>
+              <a:buChar char="•"/>
+            </a:pPr>
+            <a:endParaRPr lang="it-IT" dirty="0"/>
           </a:p>
         </p:txBody>
       </p:sp>
@@ -17439,41 +17470,6 @@
           </a:prstGeom>
         </p:spPr>
       </p:pic>
-      <p:sp>
-        <p:nvSpPr>
-          <p:cNvPr id="5" name="Rettangolo 4">
-            <a:extLst>
-              <a:ext uri="{FF2B5EF4-FFF2-40B4-BE49-F238E27FC236}">
-                <a16:creationId xmlns:a16="http://schemas.microsoft.com/office/drawing/2014/main" id="{621908CB-D057-4AE2-BBE8-DBE7EE019AFA}"/>
-              </a:ext>
-            </a:extLst>
-          </p:cNvPr>
-          <p:cNvSpPr/>
-          <p:nvPr/>
-        </p:nvSpPr>
-        <p:spPr>
-          <a:xfrm>
-            <a:off x="8991169" y="4345422"/>
-            <a:ext cx="3017951" cy="646331"/>
-          </a:xfrm>
-          <a:prstGeom prst="rect">
-            <a:avLst/>
-          </a:prstGeom>
-        </p:spPr>
-        <p:txBody>
-          <a:bodyPr wrap="square">
-            <a:spAutoFit/>
-          </a:bodyPr>
-          <a:lstStyle/>
-          <a:p>
-            <a:pPr algn="just"/>
-            <a:r>
-              <a:rPr lang="it-IT" dirty="0"/>
-              <a:t>Importance for the customer, difficulty of implementation.</a:t>
-            </a:r>
-          </a:p>
-        </p:txBody>
-      </p:sp>
     </p:spTree>
     <p:extLst>
       <p:ext uri="{BB962C8B-B14F-4D97-AF65-F5344CB8AC3E}">
@@ -23203,7 +23199,7 @@
                                     </p:set>
                                     <p:animEffect transition="in" filter="circle(in)">
                                       <p:cBhvr>
-                                        <p:cTn id="7" dur="750"/>
+                                        <p:cTn id="7" dur="1000"/>
                                         <p:tgtEl>
                                           <p:spTgt spid="23"/>
                                         </p:tgtEl>
@@ -23238,7 +23234,7 @@
                                     </p:set>
                                     <p:animEffect transition="in" filter="circle(in)">
                                       <p:cBhvr>
-                                        <p:cTn id="10" dur="750"/>
+                                        <p:cTn id="10" dur="1000"/>
                                         <p:tgtEl>
                                           <p:spTgt spid="24"/>
                                         </p:tgtEl>
@@ -23273,7 +23269,7 @@
                                     </p:set>
                                     <p:animEffect transition="in" filter="circle(in)">
                                       <p:cBhvr>
-                                        <p:cTn id="13" dur="750"/>
+                                        <p:cTn id="13" dur="1000"/>
                                         <p:tgtEl>
                                           <p:spTgt spid="25"/>
                                         </p:tgtEl>
@@ -23326,7 +23322,7 @@
                                     </p:set>
                                     <p:animEffect transition="in" filter="circle(in)">
                                       <p:cBhvr>
-                                        <p:cTn id="18" dur="750"/>
+                                        <p:cTn id="18" dur="1000"/>
                                         <p:tgtEl>
                                           <p:spTgt spid="17"/>
                                         </p:tgtEl>
@@ -23361,7 +23357,7 @@
                                     </p:set>
                                     <p:animEffect transition="in" filter="circle(in)">
                                       <p:cBhvr>
-                                        <p:cTn id="21" dur="750"/>
+                                        <p:cTn id="21" dur="1000"/>
                                         <p:tgtEl>
                                           <p:spTgt spid="21"/>
                                         </p:tgtEl>
@@ -23414,7 +23410,7 @@
                                     </p:set>
                                     <p:animEffect transition="in" filter="circle(in)">
                                       <p:cBhvr>
-                                        <p:cTn id="26" dur="750"/>
+                                        <p:cTn id="26" dur="1000"/>
                                         <p:tgtEl>
                                           <p:spTgt spid="22"/>
                                         </p:tgtEl>
@@ -25636,7 +25632,7 @@
         </p:nvCxnSpPr>
         <p:spPr>
           <a:xfrm>
-            <a:off x="6096000" y="1962385"/>
+            <a:off x="6152100" y="1962385"/>
             <a:ext cx="0" cy="3910095"/>
           </a:xfrm>
           <a:prstGeom prst="line">
@@ -26877,6 +26873,41 @@
                                   </p:childTnLst>
                                 </p:cTn>
                               </p:par>
+                              <p:par>
+                                <p:cTn id="51" presetID="6" presetClass="entr" presetSubtype="16" fill="hold" nodeType="withEffect">
+                                  <p:stCondLst>
+                                    <p:cond delay="0"/>
+                                  </p:stCondLst>
+                                  <p:childTnLst>
+                                    <p:set>
+                                      <p:cBhvr>
+                                        <p:cTn id="52" dur="1" fill="hold">
+                                          <p:stCondLst>
+                                            <p:cond delay="0"/>
+                                          </p:stCondLst>
+                                        </p:cTn>
+                                        <p:tgtEl>
+                                          <p:spTgt spid="15"/>
+                                        </p:tgtEl>
+                                        <p:attrNameLst>
+                                          <p:attrName>style.visibility</p:attrName>
+                                        </p:attrNameLst>
+                                      </p:cBhvr>
+                                      <p:to>
+                                        <p:strVal val="visible"/>
+                                      </p:to>
+                                    </p:set>
+                                    <p:animEffect transition="in" filter="circle(in)">
+                                      <p:cBhvr>
+                                        <p:cTn id="53" dur="750"/>
+                                        <p:tgtEl>
+                                          <p:spTgt spid="15"/>
+                                        </p:tgtEl>
+                                      </p:cBhvr>
+                                    </p:animEffect>
+                                  </p:childTnLst>
+                                </p:cTn>
+                              </p:par>
                             </p:childTnLst>
                           </p:cTn>
                         </p:par>
@@ -26884,26 +26915,26 @@
                     </p:cTn>
                   </p:par>
                   <p:par>
-                    <p:cTn id="51" fill="hold">
+                    <p:cTn id="54" fill="hold">
                       <p:stCondLst>
                         <p:cond delay="indefinite"/>
                       </p:stCondLst>
                       <p:childTnLst>
                         <p:par>
-                          <p:cTn id="52" fill="hold">
+                          <p:cTn id="55" fill="hold">
                             <p:stCondLst>
                               <p:cond delay="0"/>
                             </p:stCondLst>
                             <p:childTnLst>
                               <p:par>
-                                <p:cTn id="53" presetID="42" presetClass="entr" presetSubtype="0" fill="hold" grpId="0" nodeType="clickEffect">
+                                <p:cTn id="56" presetID="42" presetClass="entr" presetSubtype="0" fill="hold" grpId="0" nodeType="clickEffect">
                                   <p:stCondLst>
                                     <p:cond delay="0"/>
                                   </p:stCondLst>
                                   <p:childTnLst>
                                     <p:set>
                                       <p:cBhvr>
-                                        <p:cTn id="54" dur="1" fill="hold">
+                                        <p:cTn id="57" dur="1" fill="hold">
                                           <p:stCondLst>
                                             <p:cond delay="0"/>
                                           </p:stCondLst>
@@ -26921,7 +26952,7 @@
                                     </p:set>
                                     <p:animEffect transition="in" filter="fade">
                                       <p:cBhvr>
-                                        <p:cTn id="55" dur="500"/>
+                                        <p:cTn id="58" dur="500"/>
                                         <p:tgtEl>
                                           <p:spTgt spid="35"/>
                                         </p:tgtEl>
@@ -26929,7 +26960,7 @@
                                     </p:animEffect>
                                     <p:anim calcmode="lin" valueType="num">
                                       <p:cBhvr>
-                                        <p:cTn id="56" dur="500" fill="hold"/>
+                                        <p:cTn id="59" dur="500" fill="hold"/>
                                         <p:tgtEl>
                                           <p:spTgt spid="35"/>
                                         </p:tgtEl>
@@ -26952,7 +26983,7 @@
                                     </p:anim>
                                     <p:anim calcmode="lin" valueType="num">
                                       <p:cBhvr>
-                                        <p:cTn id="57" dur="500" fill="hold"/>
+                                        <p:cTn id="60" dur="500" fill="hold"/>
                                         <p:tgtEl>
                                           <p:spTgt spid="35"/>
                                         </p:tgtEl>
@@ -26977,14 +27008,14 @@
                                 </p:cTn>
                               </p:par>
                               <p:par>
-                                <p:cTn id="58" presetID="42" presetClass="entr" presetSubtype="0" fill="hold" nodeType="withEffect">
+                                <p:cTn id="61" presetID="42" presetClass="entr" presetSubtype="0" fill="hold" nodeType="withEffect">
                                   <p:stCondLst>
                                     <p:cond delay="0"/>
                                   </p:stCondLst>
                                   <p:childTnLst>
                                     <p:set>
                                       <p:cBhvr>
-                                        <p:cTn id="59" dur="1" fill="hold">
+                                        <p:cTn id="62" dur="1" fill="hold">
                                           <p:stCondLst>
                                             <p:cond delay="0"/>
                                           </p:stCondLst>
@@ -27002,7 +27033,7 @@
                                     </p:set>
                                     <p:animEffect transition="in" filter="fade">
                                       <p:cBhvr>
-                                        <p:cTn id="60" dur="500"/>
+                                        <p:cTn id="63" dur="500"/>
                                         <p:tgtEl>
                                           <p:spTgt spid="6"/>
                                         </p:tgtEl>
@@ -27010,7 +27041,7 @@
                                     </p:animEffect>
                                     <p:anim calcmode="lin" valueType="num">
                                       <p:cBhvr>
-                                        <p:cTn id="61" dur="500" fill="hold"/>
+                                        <p:cTn id="64" dur="500" fill="hold"/>
                                         <p:tgtEl>
                                           <p:spTgt spid="6"/>
                                         </p:tgtEl>
@@ -27033,7 +27064,7 @@
                                     </p:anim>
                                     <p:anim calcmode="lin" valueType="num">
                                       <p:cBhvr>
-                                        <p:cTn id="62" dur="500" fill="hold"/>
+                                        <p:cTn id="65" dur="500" fill="hold"/>
                                         <p:tgtEl>
                                           <p:spTgt spid="6"/>
                                         </p:tgtEl>
@@ -27064,26 +27095,26 @@
                     </p:cTn>
                   </p:par>
                   <p:par>
-                    <p:cTn id="63" fill="hold">
+                    <p:cTn id="66" fill="hold">
                       <p:stCondLst>
                         <p:cond delay="indefinite"/>
                       </p:stCondLst>
                       <p:childTnLst>
                         <p:par>
-                          <p:cTn id="64" fill="hold">
+                          <p:cTn id="67" fill="hold">
                             <p:stCondLst>
                               <p:cond delay="0"/>
                             </p:stCondLst>
                             <p:childTnLst>
                               <p:par>
-                                <p:cTn id="65" presetID="42" presetClass="entr" presetSubtype="0" fill="hold" nodeType="clickEffect">
+                                <p:cTn id="68" presetID="42" presetClass="entr" presetSubtype="0" fill="hold" nodeType="clickEffect">
                                   <p:stCondLst>
                                     <p:cond delay="0"/>
                                   </p:stCondLst>
                                   <p:childTnLst>
                                     <p:set>
                                       <p:cBhvr>
-                                        <p:cTn id="66" dur="1" fill="hold">
+                                        <p:cTn id="69" dur="1" fill="hold">
                                           <p:stCondLst>
                                             <p:cond delay="0"/>
                                           </p:stCondLst>
@@ -27101,7 +27132,7 @@
                                     </p:set>
                                     <p:animEffect transition="in" filter="fade">
                                       <p:cBhvr>
-                                        <p:cTn id="67" dur="500"/>
+                                        <p:cTn id="70" dur="500"/>
                                         <p:tgtEl>
                                           <p:spTgt spid="36"/>
                                         </p:tgtEl>
@@ -27109,7 +27140,7 @@
                                     </p:animEffect>
                                     <p:anim calcmode="lin" valueType="num">
                                       <p:cBhvr>
-                                        <p:cTn id="68" dur="500" fill="hold"/>
+                                        <p:cTn id="71" dur="500" fill="hold"/>
                                         <p:tgtEl>
                                           <p:spTgt spid="36"/>
                                         </p:tgtEl>
@@ -27132,7 +27163,7 @@
                                     </p:anim>
                                     <p:anim calcmode="lin" valueType="num">
                                       <p:cBhvr>
-                                        <p:cTn id="69" dur="500" fill="hold"/>
+                                        <p:cTn id="72" dur="500" fill="hold"/>
                                         <p:tgtEl>
                                           <p:spTgt spid="36"/>
                                         </p:tgtEl>
@@ -27157,14 +27188,14 @@
                                 </p:cTn>
                               </p:par>
                               <p:par>
-                                <p:cTn id="70" presetID="42" presetClass="entr" presetSubtype="0" fill="hold" grpId="0" nodeType="withEffect">
+                                <p:cTn id="73" presetID="42" presetClass="entr" presetSubtype="0" fill="hold" grpId="0" nodeType="withEffect">
                                   <p:stCondLst>
                                     <p:cond delay="0"/>
                                   </p:stCondLst>
                                   <p:childTnLst>
                                     <p:set>
                                       <p:cBhvr>
-                                        <p:cTn id="71" dur="1" fill="hold">
+                                        <p:cTn id="74" dur="1" fill="hold">
                                           <p:stCondLst>
                                             <p:cond delay="0"/>
                                           </p:stCondLst>
@@ -27182,7 +27213,7 @@
                                     </p:set>
                                     <p:animEffect transition="in" filter="fade">
                                       <p:cBhvr>
-                                        <p:cTn id="72" dur="500"/>
+                                        <p:cTn id="75" dur="500"/>
                                         <p:tgtEl>
                                           <p:spTgt spid="37"/>
                                         </p:tgtEl>
@@ -27190,7 +27221,7 @@
                                     </p:animEffect>
                                     <p:anim calcmode="lin" valueType="num">
                                       <p:cBhvr>
-                                        <p:cTn id="73" dur="500" fill="hold"/>
+                                        <p:cTn id="76" dur="500" fill="hold"/>
                                         <p:tgtEl>
                                           <p:spTgt spid="37"/>
                                         </p:tgtEl>
@@ -27213,7 +27244,7 @@
                                     </p:anim>
                                     <p:anim calcmode="lin" valueType="num">
                                       <p:cBhvr>
-                                        <p:cTn id="74" dur="500" fill="hold"/>
+                                        <p:cTn id="77" dur="500" fill="hold"/>
                                         <p:tgtEl>
                                           <p:spTgt spid="37"/>
                                         </p:tgtEl>

--- a/SafeStreet_MP_Presentation.pptx
+++ b/SafeStreet_MP_Presentation.pptx
@@ -6054,7 +6054,7 @@
           <a:p>
             <a:fld id="{5B05AD00-71C9-426F-97B2-E06067FB51C6}" type="datetimeFigureOut">
               <a:rPr lang="it-IT" smtClean="0"/>
-              <a:t>26/01/2020</a:t>
+              <a:t>27/01/2020</a:t>
             </a:fld>
             <a:endParaRPr lang="it-IT"/>
           </a:p>
@@ -6365,7 +6365,10 @@
           <a:bodyPr/>
           <a:lstStyle/>
           <a:p>
-            <a:endParaRPr lang="en-GB" dirty="0"/>
+            <a:r>
+              <a:rPr lang="en-GB" noProof="0" dirty="0"/>
+              <a:t>This presentation is about our work on SafeStreets mandatory project.</a:t>
+            </a:r>
           </a:p>
         </p:txBody>
       </p:sp>
@@ -7341,7 +7344,7 @@
           <a:p>
             <a:fld id="{9FF3FC3D-928E-4516-8495-F283F93B4729}" type="datetimeFigureOut">
               <a:rPr lang="en-GB" smtClean="0"/>
-              <a:t>26/01/2020</a:t>
+              <a:t>27/01/2020</a:t>
             </a:fld>
             <a:endParaRPr lang="en-GB"/>
           </a:p>
@@ -7541,7 +7544,7 @@
           <a:p>
             <a:fld id="{9FF3FC3D-928E-4516-8495-F283F93B4729}" type="datetimeFigureOut">
               <a:rPr lang="en-GB" smtClean="0"/>
-              <a:t>26/01/2020</a:t>
+              <a:t>27/01/2020</a:t>
             </a:fld>
             <a:endParaRPr lang="en-GB"/>
           </a:p>
@@ -7751,7 +7754,7 @@
           <a:p>
             <a:fld id="{9FF3FC3D-928E-4516-8495-F283F93B4729}" type="datetimeFigureOut">
               <a:rPr lang="en-GB" smtClean="0"/>
-              <a:t>26/01/2020</a:t>
+              <a:t>27/01/2020</a:t>
             </a:fld>
             <a:endParaRPr lang="en-GB"/>
           </a:p>
@@ -8052,7 +8055,7 @@
           <a:p>
             <a:fld id="{9FF3FC3D-928E-4516-8495-F283F93B4729}" type="datetimeFigureOut">
               <a:rPr lang="en-GB" smtClean="0"/>
-              <a:t>26/01/2020</a:t>
+              <a:t>27/01/2020</a:t>
             </a:fld>
             <a:endParaRPr lang="en-GB"/>
           </a:p>
@@ -8260,7 +8263,7 @@
           <a:p>
             <a:fld id="{9FF3FC3D-928E-4516-8495-F283F93B4729}" type="datetimeFigureOut">
               <a:rPr lang="en-GB" smtClean="0"/>
-              <a:t>26/01/2020</a:t>
+              <a:t>27/01/2020</a:t>
             </a:fld>
             <a:endParaRPr lang="en-GB"/>
           </a:p>
@@ -8597,7 +8600,7 @@
           <a:p>
             <a:fld id="{9FF3FC3D-928E-4516-8495-F283F93B4729}" type="datetimeFigureOut">
               <a:rPr lang="en-GB" smtClean="0"/>
-              <a:t>26/01/2020</a:t>
+              <a:t>27/01/2020</a:t>
             </a:fld>
             <a:endParaRPr lang="en-GB"/>
           </a:p>
@@ -8872,7 +8875,7 @@
           <a:p>
             <a:fld id="{9FF3FC3D-928E-4516-8495-F283F93B4729}" type="datetimeFigureOut">
               <a:rPr lang="en-GB" smtClean="0"/>
-              <a:t>26/01/2020</a:t>
+              <a:t>27/01/2020</a:t>
             </a:fld>
             <a:endParaRPr lang="en-GB"/>
           </a:p>
@@ -9251,7 +9254,7 @@
           <a:p>
             <a:fld id="{9FF3FC3D-928E-4516-8495-F283F93B4729}" type="datetimeFigureOut">
               <a:rPr lang="en-GB" smtClean="0"/>
-              <a:t>26/01/2020</a:t>
+              <a:t>27/01/2020</a:t>
             </a:fld>
             <a:endParaRPr lang="en-GB"/>
           </a:p>
@@ -9369,7 +9372,7 @@
           <a:p>
             <a:fld id="{9FF3FC3D-928E-4516-8495-F283F93B4729}" type="datetimeFigureOut">
               <a:rPr lang="en-GB" smtClean="0"/>
-              <a:t>26/01/2020</a:t>
+              <a:t>27/01/2020</a:t>
             </a:fld>
             <a:endParaRPr lang="en-GB"/>
           </a:p>
@@ -9542,7 +9545,7 @@
           <a:p>
             <a:fld id="{9FF3FC3D-928E-4516-8495-F283F93B4729}" type="datetimeFigureOut">
               <a:rPr lang="en-GB" smtClean="0"/>
-              <a:t>26/01/2020</a:t>
+              <a:t>27/01/2020</a:t>
             </a:fld>
             <a:endParaRPr lang="en-GB"/>
           </a:p>
@@ -9898,7 +9901,7 @@
           <a:p>
             <a:fld id="{9FF3FC3D-928E-4516-8495-F283F93B4729}" type="datetimeFigureOut">
               <a:rPr lang="en-GB" smtClean="0"/>
-              <a:t>26/01/2020</a:t>
+              <a:t>27/01/2020</a:t>
             </a:fld>
             <a:endParaRPr lang="en-GB"/>
           </a:p>
@@ -10107,7 +10110,7 @@
           <a:p>
             <a:fld id="{9FF3FC3D-928E-4516-8495-F283F93B4729}" type="datetimeFigureOut">
               <a:rPr lang="en-GB" smtClean="0"/>
-              <a:t>26/01/2020</a:t>
+              <a:t>27/01/2020</a:t>
             </a:fld>
             <a:endParaRPr lang="en-GB"/>
           </a:p>
@@ -10477,7 +10480,7 @@
           <a:p>
             <a:fld id="{9FF3FC3D-928E-4516-8495-F283F93B4729}" type="datetimeFigureOut">
               <a:rPr lang="en-GB" smtClean="0"/>
-              <a:t>26/01/2020</a:t>
+              <a:t>27/01/2020</a:t>
             </a:fld>
             <a:endParaRPr lang="en-GB"/>
           </a:p>
@@ -10647,7 +10650,7 @@
           <a:p>
             <a:fld id="{9FF3FC3D-928E-4516-8495-F283F93B4729}" type="datetimeFigureOut">
               <a:rPr lang="en-GB" smtClean="0"/>
-              <a:t>26/01/2020</a:t>
+              <a:t>27/01/2020</a:t>
             </a:fld>
             <a:endParaRPr lang="en-GB"/>
           </a:p>
@@ -10905,7 +10908,7 @@
           <a:p>
             <a:fld id="{9FF3FC3D-928E-4516-8495-F283F93B4729}" type="datetimeFigureOut">
               <a:rPr lang="en-GB" smtClean="0"/>
-              <a:t>26/01/2020</a:t>
+              <a:t>27/01/2020</a:t>
             </a:fld>
             <a:endParaRPr lang="en-GB"/>
           </a:p>
@@ -11169,7 +11172,7 @@
           <a:p>
             <a:fld id="{9FF3FC3D-928E-4516-8495-F283F93B4729}" type="datetimeFigureOut">
               <a:rPr lang="en-GB" smtClean="0"/>
-              <a:t>26/01/2020</a:t>
+              <a:t>27/01/2020</a:t>
             </a:fld>
             <a:endParaRPr lang="en-GB"/>
           </a:p>
@@ -11437,7 +11440,7 @@
           <a:p>
             <a:fld id="{9FF3FC3D-928E-4516-8495-F283F93B4729}" type="datetimeFigureOut">
               <a:rPr lang="en-GB" smtClean="0"/>
-              <a:t>26/01/2020</a:t>
+              <a:t>27/01/2020</a:t>
             </a:fld>
             <a:endParaRPr lang="en-GB"/>
           </a:p>
@@ -11852,7 +11855,7 @@
           <a:p>
             <a:fld id="{9FF3FC3D-928E-4516-8495-F283F93B4729}" type="datetimeFigureOut">
               <a:rPr lang="en-GB" smtClean="0"/>
-              <a:t>26/01/2020</a:t>
+              <a:t>27/01/2020</a:t>
             </a:fld>
             <a:endParaRPr lang="en-GB"/>
           </a:p>
@@ -11994,7 +11997,7 @@
           <a:p>
             <a:fld id="{9FF3FC3D-928E-4516-8495-F283F93B4729}" type="datetimeFigureOut">
               <a:rPr lang="en-GB" smtClean="0"/>
-              <a:t>26/01/2020</a:t>
+              <a:t>27/01/2020</a:t>
             </a:fld>
             <a:endParaRPr lang="en-GB"/>
           </a:p>
@@ -12107,7 +12110,7 @@
           <a:p>
             <a:fld id="{9FF3FC3D-928E-4516-8495-F283F93B4729}" type="datetimeFigureOut">
               <a:rPr lang="en-GB" smtClean="0"/>
-              <a:t>26/01/2020</a:t>
+              <a:t>27/01/2020</a:t>
             </a:fld>
             <a:endParaRPr lang="en-GB"/>
           </a:p>
@@ -12420,7 +12423,7 @@
           <a:p>
             <a:fld id="{9FF3FC3D-928E-4516-8495-F283F93B4729}" type="datetimeFigureOut">
               <a:rPr lang="en-GB" smtClean="0"/>
-              <a:t>26/01/2020</a:t>
+              <a:t>27/01/2020</a:t>
             </a:fld>
             <a:endParaRPr lang="en-GB"/>
           </a:p>
@@ -12709,7 +12712,7 @@
           <a:p>
             <a:fld id="{9FF3FC3D-928E-4516-8495-F283F93B4729}" type="datetimeFigureOut">
               <a:rPr lang="en-GB" smtClean="0"/>
-              <a:t>26/01/2020</a:t>
+              <a:t>27/01/2020</a:t>
             </a:fld>
             <a:endParaRPr lang="en-GB"/>
           </a:p>
@@ -12955,7 +12958,7 @@
           <a:p>
             <a:fld id="{9FF3FC3D-928E-4516-8495-F283F93B4729}" type="datetimeFigureOut">
               <a:rPr lang="en-GB" smtClean="0"/>
-              <a:t>26/01/2020</a:t>
+              <a:t>27/01/2020</a:t>
             </a:fld>
             <a:endParaRPr lang="en-GB"/>
           </a:p>
@@ -13586,7 +13589,7 @@
           <a:p>
             <a:fld id="{9FF3FC3D-928E-4516-8495-F283F93B4729}" type="datetimeFigureOut">
               <a:rPr lang="en-GB" smtClean="0"/>
-              <a:t>26/01/2020</a:t>
+              <a:t>27/01/2020</a:t>
             </a:fld>
             <a:endParaRPr lang="en-GB"/>
           </a:p>
@@ -16483,12 +16486,8 @@
           <a:lstStyle/>
           <a:p>
             <a:r>
-              <a:rPr lang="it-IT" b="1" dirty="0" err="1"/>
-              <a:t>System’s</a:t>
-            </a:r>
-            <a:r>
               <a:rPr lang="it-IT" b="1" dirty="0"/>
-              <a:t> Components</a:t>
+              <a:t>System Components</a:t>
             </a:r>
           </a:p>
         </p:txBody>
@@ -16573,27 +16572,18 @@
         </p:spPr>
         <p:txBody>
           <a:bodyPr>
-            <a:normAutofit fontScale="92500" lnSpcReduction="20000"/>
+            <a:normAutofit/>
           </a:bodyPr>
           <a:lstStyle/>
           <a:p>
             <a:r>
-              <a:rPr lang="it-IT" dirty="0">
-                <a:latin typeface="+mj-lt"/>
+              <a:rPr lang="it-IT" sz="1800" dirty="0">
+                <a:solidFill>
+                  <a:schemeClr val="dk1"/>
+                </a:solidFill>
+                <a:latin typeface="Century Gothic" panose="020B0502020202020204" pitchFamily="34" charset="0"/>
               </a:rPr>
-              <a:t>Component </a:t>
-            </a:r>
-            <a:r>
-              <a:rPr lang="it-IT" dirty="0" err="1">
-                <a:latin typeface="+mj-lt"/>
-              </a:rPr>
-              <a:t>Interfaces</a:t>
-            </a:r>
-            <a:r>
-              <a:rPr lang="it-IT" dirty="0">
-                <a:latin typeface="+mj-lt"/>
-              </a:rPr>
-              <a:t> Customer Mobile Service.</a:t>
+              <a:t>Component of Mobile Service.</a:t>
             </a:r>
           </a:p>
         </p:txBody>
@@ -16732,7 +16722,7 @@
         </p:blipFill>
         <p:spPr>
           <a:xfrm>
-            <a:off x="31266" y="173537"/>
+            <a:off x="31266" y="163377"/>
             <a:ext cx="7741124" cy="5987242"/>
           </a:xfrm>
           <a:prstGeom prst="rect">
@@ -16868,13 +16858,8 @@
           <a:p>
             <a:r>
               <a:rPr lang="it-IT" b="1" dirty="0"/>
-              <a:t>Component </a:t>
+              <a:t>Component Interfaces</a:t>
             </a:r>
-            <a:r>
-              <a:rPr lang="it-IT" b="1" dirty="0" err="1"/>
-              <a:t>Interfaces</a:t>
-            </a:r>
-            <a:endParaRPr lang="it-IT" b="1" dirty="0"/>
           </a:p>
         </p:txBody>
       </p:sp>
@@ -16958,27 +16943,23 @@
         </p:spPr>
         <p:txBody>
           <a:bodyPr>
-            <a:normAutofit fontScale="92500" lnSpcReduction="20000"/>
+            <a:noAutofit/>
           </a:bodyPr>
           <a:lstStyle/>
           <a:p>
+            <a:pPr>
+              <a:lnSpc>
+                <a:spcPct val="110000"/>
+              </a:lnSpc>
+            </a:pPr>
             <a:r>
-              <a:rPr lang="it-IT" dirty="0">
-                <a:latin typeface="+mj-lt"/>
+              <a:rPr lang="it-IT" sz="1800" dirty="0">
+                <a:solidFill>
+                  <a:schemeClr val="dk1"/>
+                </a:solidFill>
+                <a:latin typeface="Century Gothic" panose="020B0502020202020204" pitchFamily="34" charset="0"/>
               </a:rPr>
-              <a:t>Component </a:t>
-            </a:r>
-            <a:r>
-              <a:rPr lang="it-IT" dirty="0" err="1">
-                <a:latin typeface="+mj-lt"/>
-              </a:rPr>
-              <a:t>Interfaces</a:t>
-            </a:r>
-            <a:r>
-              <a:rPr lang="it-IT" dirty="0">
-                <a:latin typeface="+mj-lt"/>
-              </a:rPr>
-              <a:t> Customer Mobile Service.</a:t>
+              <a:t>Component Interfaces Customer Mobile Service.</a:t>
             </a:r>
           </a:p>
         </p:txBody>
@@ -17141,6 +17122,14 @@
 <file path=ppt/slides/slide13.xml><?xml version="1.0" encoding="utf-8"?>
 <p:sld xmlns:a="http://schemas.openxmlformats.org/drawingml/2006/main" xmlns:r="http://schemas.openxmlformats.org/officeDocument/2006/relationships" xmlns:p="http://schemas.openxmlformats.org/presentationml/2006/main">
   <p:cSld>
+    <p:bg>
+      <p:bgPr>
+        <a:solidFill>
+          <a:schemeClr val="bg1"/>
+        </a:solidFill>
+        <a:effectLst/>
+      </p:bgPr>
+    </p:bg>
     <p:spTree>
       <p:nvGrpSpPr>
         <p:cNvPr id="1" name=""/>
@@ -17177,12 +17166,8 @@
           <a:lstStyle/>
           <a:p>
             <a:r>
-              <a:rPr lang="it-IT" b="1" dirty="0" err="1"/>
-              <a:t>Meaningful</a:t>
-            </a:r>
-            <a:r>
               <a:rPr lang="it-IT" b="1" dirty="0"/>
-              <a:t> Interactions</a:t>
+              <a:t>Meaningful Interactions</a:t>
             </a:r>
           </a:p>
         </p:txBody>
@@ -17204,7 +17189,7 @@
           </p:nvPr>
         </p:nvPicPr>
         <p:blipFill>
-          <a:blip r:embed="rId2"/>
+          <a:blip r:embed="rId3"/>
           <a:stretch>
             <a:fillRect/>
           </a:stretch>
@@ -17234,7 +17219,7 @@
         <p:spPr>
           <a:xfrm>
             <a:off x="9334500" y="3448050"/>
-            <a:ext cx="2275303" cy="646331"/>
+            <a:ext cx="2635658" cy="646331"/>
           </a:xfrm>
           <a:prstGeom prst="rect">
             <a:avLst/>
@@ -17249,7 +17234,10 @@
           <a:p>
             <a:r>
               <a:rPr lang="en-US" dirty="0">
-                <a:latin typeface="+mj-lt"/>
+                <a:solidFill>
+                  <a:schemeClr val="dk1"/>
+                </a:solidFill>
+                <a:latin typeface="Century Gothic" panose="020B0502020202020204" pitchFamily="34" charset="0"/>
               </a:rPr>
               <a:t>User send notification </a:t>
             </a:r>
@@ -17257,12 +17245,18 @@
           <a:p>
             <a:r>
               <a:rPr lang="en-US" dirty="0">
-                <a:latin typeface="+mj-lt"/>
+                <a:solidFill>
+                  <a:schemeClr val="dk1"/>
+                </a:solidFill>
+                <a:latin typeface="Century Gothic" panose="020B0502020202020204" pitchFamily="34" charset="0"/>
               </a:rPr>
               <a:t>runtime view.</a:t>
             </a:r>
             <a:endParaRPr lang="it-IT" dirty="0">
-              <a:latin typeface="+mj-lt"/>
+              <a:solidFill>
+                <a:schemeClr val="dk1"/>
+              </a:solidFill>
+              <a:latin typeface="Century Gothic" panose="020B0502020202020204" pitchFamily="34" charset="0"/>
             </a:endParaRPr>
           </a:p>
         </p:txBody>
@@ -17275,7 +17269,7 @@
     </p:extLst>
   </p:cSld>
   <p:clrMapOvr>
-    <a:masterClrMapping/>
+    <a:overrideClrMapping bg1="lt1" tx1="dk1" bg2="lt2" tx2="dk2" accent1="accent1" accent2="accent2" accent3="accent3" accent4="accent4" accent5="accent5" accent6="accent6" hlink="hlink" folHlink="folHlink"/>
   </p:clrMapOvr>
 </p:sld>
 </file>
@@ -17345,7 +17339,7 @@
         <p:spPr>
           <a:xfrm>
             <a:off x="8851036" y="2293102"/>
-            <a:ext cx="2761844" cy="4023360"/>
+            <a:ext cx="3051404" cy="4023360"/>
           </a:xfrm>
         </p:spPr>
         <p:txBody>
@@ -17357,77 +17351,97 @@
               <a:buChar char="•"/>
             </a:pPr>
             <a:r>
-              <a:rPr lang="it-IT" dirty="0"/>
-              <a:t>   Table of Features</a:t>
-            </a:r>
-          </a:p>
-          <a:p>
-            <a:pPr>
-              <a:buFont typeface="Arial" panose="020B0604020202020204" pitchFamily="34" charset="0"/>
-              <a:buChar char="•"/>
-            </a:pPr>
-            <a:endParaRPr lang="it-IT" dirty="0"/>
-          </a:p>
-          <a:p>
-            <a:pPr>
-              <a:buFont typeface="Arial" panose="020B0604020202020204" pitchFamily="34" charset="0"/>
-              <a:buChar char="•"/>
-            </a:pPr>
-            <a:r>
-              <a:rPr lang="it-IT" dirty="0"/>
-              <a:t>   Bottom-Up     </a:t>
+              <a:rPr lang="en-US" dirty="0"/>
+              <a:t>   </a:t>
             </a:r>
             <a:r>
-              <a:rPr lang="it-IT" dirty="0">
+              <a:rPr lang="en-US" sz="1800" dirty="0">
+                <a:solidFill>
+                  <a:schemeClr val="dk1"/>
+                </a:solidFill>
+                <a:latin typeface="Century Gothic" panose="020B0502020202020204" pitchFamily="34" charset="0"/>
+              </a:rPr>
+              <a:t>Importance for the      </a:t>
+            </a:r>
+            <a:r>
+              <a:rPr lang="en-US" sz="1800" dirty="0">
                 <a:solidFill>
                   <a:schemeClr val="bg1"/>
                 </a:solidFill>
+                <a:latin typeface="Century Gothic" panose="020B0502020202020204" pitchFamily="34" charset="0"/>
               </a:rPr>
-              <a:t>…</a:t>
+              <a:t>..</a:t>
             </a:r>
             <a:r>
-              <a:rPr lang="it-IT" dirty="0"/>
-              <a:t>approach used </a:t>
-            </a:r>
-          </a:p>
-          <a:p>
-            <a:pPr>
-              <a:buFont typeface="Arial" panose="020B0604020202020204" pitchFamily="34" charset="0"/>
-              <a:buChar char="•"/>
-            </a:pPr>
-            <a:endParaRPr lang="it-IT" dirty="0"/>
-          </a:p>
-          <a:p>
-            <a:pPr>
-              <a:buFont typeface="Arial" panose="020B0604020202020204" pitchFamily="34" charset="0"/>
-              <a:buChar char="•"/>
-            </a:pPr>
-            <a:r>
-              <a:rPr lang="it-IT" dirty="0"/>
-              <a:t>   Importance for the</a:t>
+              <a:rPr lang="en-US" sz="1000" dirty="0">
+                <a:solidFill>
+                  <a:schemeClr val="dk1"/>
+                </a:solidFill>
+                <a:latin typeface="Century Gothic" panose="020B0502020202020204" pitchFamily="34" charset="0"/>
+              </a:rPr>
+              <a:t>                 </a:t>
             </a:r>
             <a:r>
-              <a:rPr lang="it-IT" dirty="0">
+              <a:rPr lang="en-US" sz="1000" dirty="0">
                 <a:solidFill>
                   <a:schemeClr val="bg1"/>
                 </a:solidFill>
+                <a:latin typeface="Century Gothic" panose="020B0502020202020204" pitchFamily="34" charset="0"/>
               </a:rPr>
-              <a:t>      ..  .</a:t>
+              <a:t>D  </a:t>
             </a:r>
             <a:r>
-              <a:rPr lang="it-IT" dirty="0"/>
-              <a:t>  customer, difficulty of</a:t>
+              <a:rPr lang="en-US" sz="1800" dirty="0">
+                <a:solidFill>
+                  <a:schemeClr val="dk1"/>
+                </a:solidFill>
+                <a:latin typeface="Century Gothic" panose="020B0502020202020204" pitchFamily="34" charset="0"/>
+              </a:rPr>
+              <a:t>customer, difficulty of  </a:t>
             </a:r>
             <a:r>
-              <a:rPr lang="it-IT" dirty="0">
+              <a:rPr lang="en-US" sz="1800" dirty="0">
                 <a:solidFill>
                   <a:schemeClr val="bg1"/>
                 </a:solidFill>
+                <a:latin typeface="Century Gothic" panose="020B0502020202020204" pitchFamily="34" charset="0"/>
               </a:rPr>
-              <a:t>  .    …</a:t>
+              <a:t>.</a:t>
             </a:r>
             <a:r>
-              <a:rPr lang="it-IT" dirty="0"/>
+              <a:rPr lang="en-US" sz="1800" dirty="0">
+                <a:solidFill>
+                  <a:schemeClr val="dk1"/>
+                </a:solidFill>
+                <a:latin typeface="Century Gothic" panose="020B0502020202020204" pitchFamily="34" charset="0"/>
+              </a:rPr>
+              <a:t>  </a:t>
+            </a:r>
+            <a:r>
+              <a:rPr lang="en-US" sz="1800" dirty="0">
+                <a:solidFill>
+                  <a:schemeClr val="bg1"/>
+                </a:solidFill>
+                <a:latin typeface="Century Gothic" panose="020B0502020202020204" pitchFamily="34" charset="0"/>
+              </a:rPr>
+              <a:t>D</a:t>
+            </a:r>
+            <a:r>
+              <a:rPr lang="en-US" sz="700" dirty="0">
+                <a:solidFill>
+                  <a:schemeClr val="bg1"/>
+                </a:solidFill>
+                <a:latin typeface="Century Gothic" panose="020B0502020202020204" pitchFamily="34" charset="0"/>
+              </a:rPr>
+              <a:t> </a:t>
+            </a:r>
+            <a:r>
+              <a:rPr lang="en-US" sz="1800" dirty="0">
+                <a:solidFill>
+                  <a:schemeClr val="dk1"/>
+                </a:solidFill>
+                <a:latin typeface="Century Gothic" panose="020B0502020202020204" pitchFamily="34" charset="0"/>
+              </a:rPr>
               <a:t>implementation.</a:t>
             </a:r>
           </a:p>
@@ -17436,7 +17450,91 @@
               <a:buFont typeface="Arial" panose="020B0604020202020204" pitchFamily="34" charset="0"/>
               <a:buChar char="•"/>
             </a:pPr>
-            <a:endParaRPr lang="it-IT" dirty="0"/>
+            <a:r>
+              <a:rPr lang="en-US" sz="1800" dirty="0">
+                <a:solidFill>
+                  <a:schemeClr val="dk1"/>
+                </a:solidFill>
+                <a:latin typeface="Century Gothic" panose="020B0502020202020204" pitchFamily="34" charset="0"/>
+              </a:rPr>
+              <a:t>   Testing: bottom-up     </a:t>
+            </a:r>
+            <a:r>
+              <a:rPr lang="en-US" sz="1600" dirty="0">
+                <a:solidFill>
+                  <a:schemeClr val="bg1"/>
+                </a:solidFill>
+                <a:latin typeface="Century Gothic" panose="020B0502020202020204" pitchFamily="34" charset="0"/>
+              </a:rPr>
+              <a:t>…</a:t>
+            </a:r>
+            <a:r>
+              <a:rPr lang="en-US" sz="1800" dirty="0">
+                <a:solidFill>
+                  <a:schemeClr val="dk1"/>
+                </a:solidFill>
+                <a:latin typeface="Century Gothic" panose="020B0502020202020204" pitchFamily="34" charset="0"/>
+              </a:rPr>
+              <a:t>approach used</a:t>
+            </a:r>
+          </a:p>
+          <a:p>
+            <a:pPr>
+              <a:buFont typeface="Arial" panose="020B0604020202020204" pitchFamily="34" charset="0"/>
+              <a:buChar char="•"/>
+            </a:pPr>
+            <a:r>
+              <a:rPr lang="en-US" sz="1800" dirty="0">
+                <a:solidFill>
+                  <a:schemeClr val="dk1"/>
+                </a:solidFill>
+                <a:latin typeface="Century Gothic" panose="020B0502020202020204" pitchFamily="34" charset="0"/>
+              </a:rPr>
+              <a:t>   Test component once at      </a:t>
+            </a:r>
+            <a:r>
+              <a:rPr lang="en-US" sz="1800" dirty="0">
+                <a:solidFill>
+                  <a:schemeClr val="bg1"/>
+                </a:solidFill>
+                <a:latin typeface="Century Gothic" panose="020B0502020202020204" pitchFamily="34" charset="0"/>
+              </a:rPr>
+              <a:t>.  </a:t>
+            </a:r>
+            <a:r>
+              <a:rPr lang="en-US" sz="1800" dirty="0">
+                <a:solidFill>
+                  <a:schemeClr val="dk1"/>
+                </a:solidFill>
+                <a:latin typeface="Century Gothic" panose="020B0502020202020204" pitchFamily="34" charset="0"/>
+              </a:rPr>
+              <a:t>time then proceed for</a:t>
+            </a:r>
+            <a:r>
+              <a:rPr lang="en-US" sz="1800" dirty="0">
+                <a:solidFill>
+                  <a:schemeClr val="bg1"/>
+                </a:solidFill>
+                <a:latin typeface="Century Gothic" panose="020B0502020202020204" pitchFamily="34" charset="0"/>
+              </a:rPr>
+              <a:t>  .   .  </a:t>
+            </a:r>
+            <a:r>
+              <a:rPr lang="en-US" sz="1800" dirty="0">
+                <a:solidFill>
+                  <a:schemeClr val="dk1"/>
+                </a:solidFill>
+                <a:latin typeface="Century Gothic" panose="020B0502020202020204" pitchFamily="34" charset="0"/>
+              </a:rPr>
+              <a:t>integration phase</a:t>
+            </a:r>
+          </a:p>
+          <a:p>
+            <a:pPr>
+              <a:buFont typeface="Arial" panose="020B0604020202020204" pitchFamily="34" charset="0"/>
+              <a:buChar char="•"/>
+            </a:pPr>
+            <a:endParaRPr lang="en-US" dirty="0"/>
           </a:p>
         </p:txBody>
       </p:sp>
@@ -17577,7 +17675,7 @@
                                         <p:tgtEl>
                                           <p:spTgt spid="3">
                                             <p:txEl>
-                                              <p:pRg st="2" end="2"/>
+                                              <p:pRg st="1" end="1"/>
                                             </p:txEl>
                                           </p:spTgt>
                                         </p:tgtEl>
@@ -17595,7 +17693,7 @@
                                         <p:tgtEl>
                                           <p:spTgt spid="3">
                                             <p:txEl>
-                                              <p:pRg st="2" end="2"/>
+                                              <p:pRg st="1" end="1"/>
                                             </p:txEl>
                                           </p:spTgt>
                                         </p:tgtEl>
@@ -17638,7 +17736,7 @@
                                         <p:tgtEl>
                                           <p:spTgt spid="3">
                                             <p:txEl>
-                                              <p:pRg st="4" end="4"/>
+                                              <p:pRg st="2" end="2"/>
                                             </p:txEl>
                                           </p:spTgt>
                                         </p:tgtEl>
@@ -17656,7 +17754,7 @@
                                         <p:tgtEl>
                                           <p:spTgt spid="3">
                                             <p:txEl>
-                                              <p:pRg st="4" end="4"/>
+                                              <p:pRg st="2" end="2"/>
                                             </p:txEl>
                                           </p:spTgt>
                                         </p:tgtEl>
@@ -18138,7 +18236,7 @@
           <p:nvPr>
             <p:extLst>
               <p:ext uri="{D42A27DB-BD31-4B8C-83A1-F6EECF244321}">
-                <p14:modId xmlns:p14="http://schemas.microsoft.com/office/powerpoint/2010/main" val="3021070372"/>
+                <p14:modId xmlns:p14="http://schemas.microsoft.com/office/powerpoint/2010/main" val="3503409849"/>
               </p:ext>
             </p:extLst>
           </p:nvPr>
@@ -25934,7 +26032,7 @@
         </p:blipFill>
         <p:spPr>
           <a:xfrm>
-            <a:off x="614265" y="5269815"/>
+            <a:off x="614265" y="5239335"/>
             <a:ext cx="5476875" cy="847725"/>
           </a:xfrm>
           <a:prstGeom prst="rect">
@@ -26096,7 +26194,7 @@
         </p:blipFill>
         <p:spPr>
           <a:xfrm>
-            <a:off x="6641110" y="5269815"/>
+            <a:off x="6641110" y="5239335"/>
             <a:ext cx="4419600" cy="733425"/>
           </a:xfrm>
           <a:prstGeom prst="rect">
@@ -28178,4 +28276,47 @@
     </a:ext>
   </a:extLst>
 </a:theme>
+</file>
+
+<file path=ppt/theme/themeOverride1.xml><?xml version="1.0" encoding="utf-8"?>
+<a:themeOverride xmlns:a="http://schemas.openxmlformats.org/drawingml/2006/main">
+  <a:clrScheme name="Retrospettivo">
+    <a:dk1>
+      <a:sysClr val="windowText" lastClr="000000"/>
+    </a:dk1>
+    <a:lt1>
+      <a:sysClr val="window" lastClr="FFFFFF"/>
+    </a:lt1>
+    <a:dk2>
+      <a:srgbClr val="514949"/>
+    </a:dk2>
+    <a:lt2>
+      <a:srgbClr val="E1E1DB"/>
+    </a:lt2>
+    <a:accent1>
+      <a:srgbClr val="9DBFBE"/>
+    </a:accent1>
+    <a:accent2>
+      <a:srgbClr val="DB8631"/>
+    </a:accent2>
+    <a:accent3>
+      <a:srgbClr val="E3CC5A"/>
+    </a:accent3>
+    <a:accent4>
+      <a:srgbClr val="ACADA8"/>
+    </a:accent4>
+    <a:accent5>
+      <a:srgbClr val="927C61"/>
+    </a:accent5>
+    <a:accent6>
+      <a:srgbClr val="B3B435"/>
+    </a:accent6>
+    <a:hlink>
+      <a:srgbClr val="0000FF"/>
+    </a:hlink>
+    <a:folHlink>
+      <a:srgbClr val="800080"/>
+    </a:folHlink>
+  </a:clrScheme>
+</a:themeOverride>
 </file>